--- a/quiz/presentation/Project One.pptx
+++ b/quiz/presentation/Project One.pptx
@@ -8,8 +8,10 @@
     <p:sldId id="256" r:id="rId2"/>
     <p:sldId id="257" r:id="rId3"/>
     <p:sldId id="260" r:id="rId4"/>
-    <p:sldId id="259" r:id="rId5"/>
-    <p:sldId id="261" r:id="rId6"/>
+    <p:sldId id="263" r:id="rId5"/>
+    <p:sldId id="259" r:id="rId6"/>
+    <p:sldId id="262" r:id="rId7"/>
+    <p:sldId id="261" r:id="rId8"/>
   </p:sldIdLst>
   <p:sldSz cx="9144000" cy="6858000" type="screen4x3"/>
   <p:notesSz cx="6858000" cy="9144000"/>
@@ -108,6 +110,11 @@
       </a:defRPr>
     </a:lvl9pPr>
   </p:defaultTextStyle>
+  <p:extLst>
+    <p:ext uri="{EFAFB233-063F-42B5-8137-9DF3F51BA10A}">
+      <p15:sldGuideLst xmlns:p15="http://schemas.microsoft.com/office/powerpoint/2012/main"/>
+    </p:ext>
+  </p:extLst>
 </p:presentation>
 </file>
 
@@ -242,7 +249,7 @@
           <a:p>
             <a:fld id="{D2CD220E-7824-4F92-ACCA-405148BBF3E2}" type="datetimeFigureOut">
               <a:rPr lang="en-SG" smtClean="0"/>
-              <a:t>5/10/2016</a:t>
+              <a:t>6/10/2016</a:t>
             </a:fld>
             <a:endParaRPr lang="en-SG"/>
           </a:p>
@@ -412,7 +419,7 @@
           <a:p>
             <a:fld id="{D2CD220E-7824-4F92-ACCA-405148BBF3E2}" type="datetimeFigureOut">
               <a:rPr lang="en-SG" smtClean="0"/>
-              <a:t>5/10/2016</a:t>
+              <a:t>6/10/2016</a:t>
             </a:fld>
             <a:endParaRPr lang="en-SG"/>
           </a:p>
@@ -592,7 +599,7 @@
           <a:p>
             <a:fld id="{D2CD220E-7824-4F92-ACCA-405148BBF3E2}" type="datetimeFigureOut">
               <a:rPr lang="en-SG" smtClean="0"/>
-              <a:t>5/10/2016</a:t>
+              <a:t>6/10/2016</a:t>
             </a:fld>
             <a:endParaRPr lang="en-SG"/>
           </a:p>
@@ -762,7 +769,7 @@
           <a:p>
             <a:fld id="{D2CD220E-7824-4F92-ACCA-405148BBF3E2}" type="datetimeFigureOut">
               <a:rPr lang="en-SG" smtClean="0"/>
-              <a:t>5/10/2016</a:t>
+              <a:t>6/10/2016</a:t>
             </a:fld>
             <a:endParaRPr lang="en-SG"/>
           </a:p>
@@ -1006,7 +1013,7 @@
           <a:p>
             <a:fld id="{D2CD220E-7824-4F92-ACCA-405148BBF3E2}" type="datetimeFigureOut">
               <a:rPr lang="en-SG" smtClean="0"/>
-              <a:t>5/10/2016</a:t>
+              <a:t>6/10/2016</a:t>
             </a:fld>
             <a:endParaRPr lang="en-SG"/>
           </a:p>
@@ -1238,7 +1245,7 @@
           <a:p>
             <a:fld id="{D2CD220E-7824-4F92-ACCA-405148BBF3E2}" type="datetimeFigureOut">
               <a:rPr lang="en-SG" smtClean="0"/>
-              <a:t>5/10/2016</a:t>
+              <a:t>6/10/2016</a:t>
             </a:fld>
             <a:endParaRPr lang="en-SG"/>
           </a:p>
@@ -1605,7 +1612,7 @@
           <a:p>
             <a:fld id="{D2CD220E-7824-4F92-ACCA-405148BBF3E2}" type="datetimeFigureOut">
               <a:rPr lang="en-SG" smtClean="0"/>
-              <a:t>5/10/2016</a:t>
+              <a:t>6/10/2016</a:t>
             </a:fld>
             <a:endParaRPr lang="en-SG"/>
           </a:p>
@@ -1723,7 +1730,7 @@
           <a:p>
             <a:fld id="{D2CD220E-7824-4F92-ACCA-405148BBF3E2}" type="datetimeFigureOut">
               <a:rPr lang="en-SG" smtClean="0"/>
-              <a:t>5/10/2016</a:t>
+              <a:t>6/10/2016</a:t>
             </a:fld>
             <a:endParaRPr lang="en-SG"/>
           </a:p>
@@ -1818,7 +1825,7 @@
           <a:p>
             <a:fld id="{D2CD220E-7824-4F92-ACCA-405148BBF3E2}" type="datetimeFigureOut">
               <a:rPr lang="en-SG" smtClean="0"/>
-              <a:t>5/10/2016</a:t>
+              <a:t>6/10/2016</a:t>
             </a:fld>
             <a:endParaRPr lang="en-SG"/>
           </a:p>
@@ -2095,7 +2102,7 @@
           <a:p>
             <a:fld id="{D2CD220E-7824-4F92-ACCA-405148BBF3E2}" type="datetimeFigureOut">
               <a:rPr lang="en-SG" smtClean="0"/>
-              <a:t>5/10/2016</a:t>
+              <a:t>6/10/2016</a:t>
             </a:fld>
             <a:endParaRPr lang="en-SG"/>
           </a:p>
@@ -2352,7 +2359,7 @@
           <a:p>
             <a:fld id="{D2CD220E-7824-4F92-ACCA-405148BBF3E2}" type="datetimeFigureOut">
               <a:rPr lang="en-SG" smtClean="0"/>
-              <a:t>5/10/2016</a:t>
+              <a:t>6/10/2016</a:t>
             </a:fld>
             <a:endParaRPr lang="en-SG"/>
           </a:p>
@@ -2565,7 +2572,7 @@
           <a:p>
             <a:fld id="{D2CD220E-7824-4F92-ACCA-405148BBF3E2}" type="datetimeFigureOut">
               <a:rPr lang="en-SG" smtClean="0"/>
-              <a:t>5/10/2016</a:t>
+              <a:t>6/10/2016</a:t>
             </a:fld>
             <a:endParaRPr lang="en-SG"/>
           </a:p>
@@ -3089,7 +3096,7 @@
           <a:lstStyle/>
           <a:p>
             <a:r>
-              <a:rPr lang="en-SG" dirty="0"/>
+              <a:rPr lang="en-SG" b="1" dirty="0"/>
               <a:t>About My Project</a:t>
             </a:r>
           </a:p>
@@ -3193,7 +3200,7 @@
           <a:lstStyle/>
           <a:p>
             <a:r>
-              <a:rPr lang="en-SG" dirty="0"/>
+              <a:rPr lang="en-SG" b="1" dirty="0"/>
               <a:t>Quiz Features</a:t>
             </a:r>
           </a:p>
@@ -3344,6 +3351,131 @@
             <p:ph type="title"/>
           </p:nvPr>
         </p:nvSpPr>
+        <p:spPr/>
+        <p:txBody>
+          <a:bodyPr>
+            <a:normAutofit/>
+          </a:bodyPr>
+          <a:lstStyle/>
+          <a:p>
+            <a:pPr algn="ctr"/>
+            <a:r>
+              <a:rPr lang="en-SG" sz="5400" b="1" dirty="0"/>
+              <a:t>Code Planning</a:t>
+            </a:r>
+          </a:p>
+        </p:txBody>
+      </p:sp>
+      <p:sp>
+        <p:nvSpPr>
+          <p:cNvPr id="3" name="Content Placeholder 2"/>
+          <p:cNvSpPr>
+            <a:spLocks noGrp="1"/>
+          </p:cNvSpPr>
+          <p:nvPr>
+            <p:ph idx="1"/>
+          </p:nvPr>
+        </p:nvSpPr>
+        <p:spPr/>
+        <p:txBody>
+          <a:bodyPr/>
+          <a:lstStyle/>
+          <a:p>
+            <a:pPr marL="0" indent="0">
+              <a:buNone/>
+            </a:pPr>
+            <a:r>
+              <a:rPr lang="en-SG" dirty="0"/>
+              <a:t>Developed Structure mentally</a:t>
+            </a:r>
+          </a:p>
+          <a:p>
+            <a:pPr marL="0" indent="0">
+              <a:buNone/>
+            </a:pPr>
+            <a:r>
+              <a:rPr lang="en-SG" dirty="0"/>
+              <a:t>Wrote down quiz questions</a:t>
+            </a:r>
+          </a:p>
+          <a:p>
+            <a:pPr marL="0" indent="0">
+              <a:buNone/>
+            </a:pPr>
+            <a:r>
+              <a:rPr lang="en-SG" dirty="0"/>
+              <a:t>Drew structure using pen and paper</a:t>
+            </a:r>
+          </a:p>
+          <a:p>
+            <a:pPr marL="0" indent="0">
+              <a:buNone/>
+            </a:pPr>
+            <a:r>
+              <a:rPr lang="en-SG" dirty="0"/>
+              <a:t>Wrote pseudo code(see hyperlink)</a:t>
+            </a:r>
+          </a:p>
+          <a:p>
+            <a:pPr marL="0" indent="0">
+              <a:buNone/>
+            </a:pPr>
+            <a:r>
+              <a:rPr lang="en-SG" dirty="0"/>
+              <a:t>Generated Code based on requirements and pseudo code</a:t>
+            </a:r>
+          </a:p>
+          <a:p>
+            <a:pPr marL="0" indent="0">
+              <a:buNone/>
+            </a:pPr>
+            <a:r>
+              <a:rPr lang="en-SG" dirty="0"/>
+              <a:t>Tested by myself and Mr Glen Choo.</a:t>
+            </a:r>
+          </a:p>
+        </p:txBody>
+      </p:sp>
+    </p:spTree>
+    <p:extLst>
+      <p:ext uri="{BB962C8B-B14F-4D97-AF65-F5344CB8AC3E}">
+        <p14:creationId xmlns:p14="http://schemas.microsoft.com/office/powerpoint/2010/main" val="4191063260"/>
+      </p:ext>
+    </p:extLst>
+  </p:cSld>
+  <p:clrMapOvr>
+    <a:masterClrMapping/>
+  </p:clrMapOvr>
+</p:sld>
+</file>
+
+<file path=ppt/slides/slide5.xml><?xml version="1.0" encoding="utf-8"?>
+<p:sld xmlns:a="http://schemas.openxmlformats.org/drawingml/2006/main" xmlns:r="http://schemas.openxmlformats.org/officeDocument/2006/relationships" xmlns:p="http://schemas.openxmlformats.org/presentationml/2006/main">
+  <p:cSld>
+    <p:spTree>
+      <p:nvGrpSpPr>
+        <p:cNvPr id="1" name=""/>
+        <p:cNvGrpSpPr/>
+        <p:nvPr/>
+      </p:nvGrpSpPr>
+      <p:grpSpPr>
+        <a:xfrm>
+          <a:off x="0" y="0"/>
+          <a:ext cx="0" cy="0"/>
+          <a:chOff x="0" y="0"/>
+          <a:chExt cx="0" cy="0"/>
+        </a:xfrm>
+      </p:grpSpPr>
+      <p:sp>
+        <p:nvSpPr>
+          <p:cNvPr id="2" name="Title 1"/>
+          <p:cNvSpPr>
+            <a:spLocks noGrp="1"/>
+          </p:cNvSpPr>
+          <p:nvPr>
+            <p:ph type="title"/>
+          </p:nvPr>
+        </p:nvSpPr>
         <p:spPr>
           <a:xfrm>
             <a:off x="544010" y="55799"/>
@@ -3358,7 +3490,7 @@
           <a:p>
             <a:pPr algn="ctr"/>
             <a:r>
-              <a:rPr lang="en-SG" sz="5400" dirty="0"/>
+              <a:rPr lang="en-SG" sz="5400" b="1" dirty="0"/>
               <a:t>Wireframe</a:t>
             </a:r>
           </a:p>
@@ -4063,7 +4195,7 @@
 </p:sld>
 </file>
 
-<file path=ppt/slides/slide5.xml><?xml version="1.0" encoding="utf-8"?>
+<file path=ppt/slides/slide6.xml><?xml version="1.0" encoding="utf-8"?>
 <p:sld xmlns:a="http://schemas.openxmlformats.org/drawingml/2006/main" xmlns:r="http://schemas.openxmlformats.org/officeDocument/2006/relationships" xmlns:p="http://schemas.openxmlformats.org/presentationml/2006/main">
   <p:cSld>
     <p:spTree>
@@ -4087,6 +4219,109 @@
             <a:spLocks noGrp="1"/>
           </p:cNvSpPr>
           <p:nvPr>
+            <p:ph type="ctrTitle"/>
+          </p:nvPr>
+        </p:nvSpPr>
+        <p:spPr>
+          <a:xfrm>
+            <a:off x="766823" y="381583"/>
+            <a:ext cx="7772400" cy="908994"/>
+          </a:xfrm>
+        </p:spPr>
+        <p:txBody>
+          <a:bodyPr>
+            <a:normAutofit fontScale="90000"/>
+          </a:bodyPr>
+          <a:lstStyle/>
+          <a:p>
+            <a:r>
+              <a:rPr lang="en-SG" b="1" dirty="0"/>
+              <a:t>Code Organisation</a:t>
+            </a:r>
+          </a:p>
+        </p:txBody>
+      </p:sp>
+      <p:sp>
+        <p:nvSpPr>
+          <p:cNvPr id="5" name="TextBox 4"/>
+          <p:cNvSpPr txBox="1"/>
+          <p:nvPr/>
+        </p:nvSpPr>
+        <p:spPr>
+          <a:xfrm>
+            <a:off x="1059083" y="1626243"/>
+            <a:ext cx="7407798" cy="1200329"/>
+          </a:xfrm>
+          <a:prstGeom prst="rect">
+            <a:avLst/>
+          </a:prstGeom>
+          <a:noFill/>
+        </p:spPr>
+        <p:txBody>
+          <a:bodyPr wrap="square" rtlCol="0">
+            <a:spAutoFit/>
+          </a:bodyPr>
+          <a:lstStyle/>
+          <a:p>
+            <a:r>
+              <a:rPr lang="en-SG" dirty="0"/>
+              <a:t>1.Created HTML based on wireframe in previous slide.</a:t>
+            </a:r>
+          </a:p>
+          <a:p>
+            <a:r>
+              <a:rPr lang="en-SG" dirty="0"/>
+              <a:t>2. Developed CSS in line with project needs</a:t>
+            </a:r>
+          </a:p>
+          <a:p>
+            <a:r>
+              <a:rPr lang="en-SG" dirty="0"/>
+              <a:t>3.Jquery to make the quiz interactive</a:t>
+            </a:r>
+          </a:p>
+          <a:p>
+            <a:endParaRPr lang="en-SG" dirty="0"/>
+          </a:p>
+        </p:txBody>
+      </p:sp>
+    </p:spTree>
+    <p:extLst>
+      <p:ext uri="{BB962C8B-B14F-4D97-AF65-F5344CB8AC3E}">
+        <p14:creationId xmlns:p14="http://schemas.microsoft.com/office/powerpoint/2010/main" val="3630369441"/>
+      </p:ext>
+    </p:extLst>
+  </p:cSld>
+  <p:clrMapOvr>
+    <a:masterClrMapping/>
+  </p:clrMapOvr>
+</p:sld>
+</file>
+
+<file path=ppt/slides/slide7.xml><?xml version="1.0" encoding="utf-8"?>
+<p:sld xmlns:a="http://schemas.openxmlformats.org/drawingml/2006/main" xmlns:r="http://schemas.openxmlformats.org/officeDocument/2006/relationships" xmlns:p="http://schemas.openxmlformats.org/presentationml/2006/main">
+  <p:cSld>
+    <p:spTree>
+      <p:nvGrpSpPr>
+        <p:cNvPr id="1" name=""/>
+        <p:cNvGrpSpPr/>
+        <p:nvPr/>
+      </p:nvGrpSpPr>
+      <p:grpSpPr>
+        <a:xfrm>
+          <a:off x="0" y="0"/>
+          <a:ext cx="0" cy="0"/>
+          <a:chOff x="0" y="0"/>
+          <a:chExt cx="0" cy="0"/>
+        </a:xfrm>
+      </p:grpSpPr>
+      <p:sp>
+        <p:nvSpPr>
+          <p:cNvPr id="2" name="Title 1"/>
+          <p:cNvSpPr>
+            <a:spLocks noGrp="1"/>
+          </p:cNvSpPr>
+          <p:nvPr>
             <p:ph type="title"/>
           </p:nvPr>
         </p:nvSpPr>
@@ -4097,7 +4332,7 @@
           <a:p>
             <a:pPr algn="ctr"/>
             <a:r>
-              <a:rPr lang="en-SG" dirty="0"/>
+              <a:rPr lang="en-SG" b="1" dirty="0"/>
               <a:t>Difficulties Faced</a:t>
             </a:r>
           </a:p>
@@ -4150,6 +4385,42 @@
             <a:r>
               <a:rPr lang="en-SG" dirty="0"/>
               <a:t>Late Nights</a:t>
+            </a:r>
+          </a:p>
+          <a:p>
+            <a:pPr marL="514350" indent="-514350">
+              <a:buAutoNum type="arabicPeriod"/>
+            </a:pPr>
+            <a:r>
+              <a:rPr lang="en-SG" dirty="0"/>
+              <a:t>Creating a back button</a:t>
+            </a:r>
+          </a:p>
+          <a:p>
+            <a:pPr marL="514350" indent="-514350">
+              <a:buAutoNum type="arabicPeriod"/>
+            </a:pPr>
+            <a:r>
+              <a:rPr lang="en-SG" dirty="0"/>
+              <a:t>Creating more choices for questions</a:t>
+            </a:r>
+          </a:p>
+          <a:p>
+            <a:pPr marL="514350" indent="-514350">
+              <a:buAutoNum type="arabicPeriod"/>
+            </a:pPr>
+            <a:r>
+              <a:rPr lang="en-SG" dirty="0"/>
+              <a:t>Running the entire project in JS.</a:t>
+            </a:r>
+          </a:p>
+          <a:p>
+            <a:pPr marL="514350" indent="-514350">
+              <a:buAutoNum type="arabicPeriod"/>
+            </a:pPr>
+            <a:r>
+              <a:rPr lang="en-SG" dirty="0"/>
+              <a:t>Creating the required 10 questions in the timeframe.</a:t>
             </a:r>
           </a:p>
           <a:p>

--- a/quiz/presentation/Project One.pptx
+++ b/quiz/presentation/Project One.pptx
@@ -9,9 +9,15 @@
     <p:sldId id="257" r:id="rId3"/>
     <p:sldId id="260" r:id="rId4"/>
     <p:sldId id="263" r:id="rId5"/>
-    <p:sldId id="259" r:id="rId6"/>
-    <p:sldId id="262" r:id="rId7"/>
-    <p:sldId id="261" r:id="rId8"/>
+    <p:sldId id="269" r:id="rId6"/>
+    <p:sldId id="259" r:id="rId7"/>
+    <p:sldId id="262" r:id="rId8"/>
+    <p:sldId id="264" r:id="rId9"/>
+    <p:sldId id="268" r:id="rId10"/>
+    <p:sldId id="261" r:id="rId11"/>
+    <p:sldId id="265" r:id="rId12"/>
+    <p:sldId id="266" r:id="rId13"/>
+    <p:sldId id="267" r:id="rId14"/>
   </p:sldIdLst>
   <p:sldSz cx="9144000" cy="6858000" type="screen4x3"/>
   <p:notesSz cx="6858000" cy="9144000"/>
@@ -509,7 +515,7 @@
         </p:nvSpPr>
         <p:spPr>
           <a:xfrm>
-            <a:off x="6543675" y="365125"/>
+            <a:off x="6543676" y="365125"/>
             <a:ext cx="1971675" cy="5811838"/>
           </a:xfrm>
         </p:spPr>
@@ -537,7 +543,7 @@
         </p:nvSpPr>
         <p:spPr>
           <a:xfrm>
-            <a:off x="628650" y="365125"/>
+            <a:off x="628651" y="365125"/>
             <a:ext cx="5800725" cy="5811838"/>
           </a:xfrm>
         </p:spPr>
@@ -859,7 +865,7 @@
         </p:nvSpPr>
         <p:spPr>
           <a:xfrm>
-            <a:off x="623888" y="1709739"/>
+            <a:off x="623888" y="1709741"/>
             <a:ext cx="7886700" cy="2852737"/>
           </a:xfrm>
         </p:spPr>
@@ -891,7 +897,7 @@
         </p:nvSpPr>
         <p:spPr>
           <a:xfrm>
-            <a:off x="623888" y="4589464"/>
+            <a:off x="623888" y="4589466"/>
             <a:ext cx="7886700" cy="1500187"/>
           </a:xfrm>
         </p:spPr>
@@ -1335,7 +1341,7 @@
         </p:nvSpPr>
         <p:spPr>
           <a:xfrm>
-            <a:off x="629841" y="365126"/>
+            <a:off x="629841" y="365128"/>
             <a:ext cx="7886700" cy="1325563"/>
           </a:xfrm>
         </p:spPr>
@@ -1485,7 +1491,7 @@
         </p:nvSpPr>
         <p:spPr>
           <a:xfrm>
-            <a:off x="4629150" y="1681163"/>
+            <a:off x="4629151" y="1681163"/>
             <a:ext cx="3887391" cy="823912"/>
           </a:xfrm>
         </p:spPr>
@@ -1550,7 +1556,7 @@
         </p:nvSpPr>
         <p:spPr>
           <a:xfrm>
-            <a:off x="4629150" y="2505075"/>
+            <a:off x="4629151" y="2505075"/>
             <a:ext cx="3887391" cy="3684588"/>
           </a:xfrm>
         </p:spPr>
@@ -1947,7 +1953,7 @@
         </p:nvSpPr>
         <p:spPr>
           <a:xfrm>
-            <a:off x="3887391" y="987426"/>
+            <a:off x="3887391" y="987428"/>
             <a:ext cx="4629150" cy="4873625"/>
           </a:xfrm>
         </p:spPr>
@@ -2224,7 +2230,7 @@
         </p:nvSpPr>
         <p:spPr>
           <a:xfrm>
-            <a:off x="3887391" y="987426"/>
+            <a:off x="3887391" y="987428"/>
             <a:ext cx="4629150" cy="4873625"/>
           </a:xfrm>
         </p:spPr>
@@ -2454,7 +2460,7 @@
         </p:nvSpPr>
         <p:spPr>
           <a:xfrm>
-            <a:off x="628650" y="365126"/>
+            <a:off x="628650" y="365128"/>
             <a:ext cx="7886700" cy="1325563"/>
           </a:xfrm>
           <a:prstGeom prst="rect">
@@ -2549,7 +2555,7 @@
         </p:nvSpPr>
         <p:spPr>
           <a:xfrm>
-            <a:off x="628650" y="6356351"/>
+            <a:off x="628650" y="6356353"/>
             <a:ext cx="2057400" cy="365125"/>
           </a:xfrm>
           <a:prstGeom prst="rect">
@@ -2590,7 +2596,7 @@
         </p:nvSpPr>
         <p:spPr>
           <a:xfrm>
-            <a:off x="3028950" y="6356351"/>
+            <a:off x="3028950" y="6356353"/>
             <a:ext cx="3086100" cy="365125"/>
           </a:xfrm>
           <a:prstGeom prst="rect">
@@ -2627,7 +2633,7 @@
         </p:nvSpPr>
         <p:spPr>
           <a:xfrm>
-            <a:off x="6457950" y="6356351"/>
+            <a:off x="6457950" y="6356353"/>
             <a:ext cx="2057400" cy="365125"/>
           </a:xfrm>
           <a:prstGeom prst="rect">
@@ -2963,6 +2969,21 @@
 <file path=ppt/slides/slide1.xml><?xml version="1.0" encoding="utf-8"?>
 <p:sld xmlns:a="http://schemas.openxmlformats.org/drawingml/2006/main" xmlns:r="http://schemas.openxmlformats.org/officeDocument/2006/relationships" xmlns:p="http://schemas.openxmlformats.org/presentationml/2006/main">
   <p:cSld>
+    <p:bg>
+      <p:bgPr>
+        <a:blipFill dpi="0" rotWithShape="1">
+          <a:blip r:embed="rId2">
+            <a:alphaModFix amt="64000"/>
+            <a:lum/>
+          </a:blip>
+          <a:srcRect/>
+          <a:stretch>
+            <a:fillRect/>
+          </a:stretch>
+        </a:blipFill>
+        <a:effectLst/>
+      </p:bgPr>
+    </p:bg>
     <p:spTree>
       <p:nvGrpSpPr>
         <p:cNvPr id="1" name=""/>
@@ -2987,57 +3008,69 @@
             <p:ph type="ctrTitle"/>
           </p:nvPr>
         </p:nvSpPr>
-        <p:spPr/>
-        <p:txBody>
-          <a:bodyPr/>
+        <p:spPr>
+          <a:xfrm>
+            <a:off x="793613" y="224121"/>
+            <a:ext cx="7772400" cy="894085"/>
+          </a:xfrm>
+        </p:spPr>
+        <p:txBody>
+          <a:bodyPr>
+            <a:normAutofit fontScale="90000"/>
+          </a:bodyPr>
+          <a:lstStyle/>
+          <a:p>
+            <a:r>
+              <a:rPr lang="en-SG" b="1" dirty="0"/>
+              <a:t>Project One</a:t>
+            </a:r>
+          </a:p>
+        </p:txBody>
+      </p:sp>
+      <p:sp>
+        <p:nvSpPr>
+          <p:cNvPr id="3" name="Subtitle 2"/>
+          <p:cNvSpPr>
+            <a:spLocks noGrp="1"/>
+          </p:cNvSpPr>
+          <p:nvPr>
+            <p:ph type="subTitle" idx="1"/>
+          </p:nvPr>
+        </p:nvSpPr>
+        <p:spPr>
+          <a:xfrm>
+            <a:off x="4033784" y="5529232"/>
+            <a:ext cx="4742727" cy="1062559"/>
+          </a:xfrm>
+        </p:spPr>
+        <p:txBody>
+          <a:bodyPr>
+            <a:normAutofit fontScale="85000" lnSpcReduction="20000"/>
+          </a:bodyPr>
           <a:lstStyle/>
           <a:p>
             <a:r>
               <a:rPr lang="en-SG" dirty="0"/>
-              <a:t>Project One</a:t>
-            </a:r>
-          </a:p>
-        </p:txBody>
-      </p:sp>
-      <p:sp>
-        <p:nvSpPr>
-          <p:cNvPr id="3" name="Subtitle 2"/>
-          <p:cNvSpPr>
-            <a:spLocks noGrp="1"/>
-          </p:cNvSpPr>
-          <p:nvPr>
-            <p:ph type="subTitle" idx="1"/>
-          </p:nvPr>
-        </p:nvSpPr>
-        <p:spPr/>
-        <p:txBody>
-          <a:bodyPr>
-            <a:normAutofit lnSpcReduction="10000"/>
-          </a:bodyPr>
-          <a:lstStyle/>
-          <a:p>
-            <a:r>
-              <a:rPr lang="en-SG" sz="3200" dirty="0"/>
               <a:t>Done By:</a:t>
             </a:r>
           </a:p>
           <a:p>
             <a:r>
-              <a:rPr lang="en-SG" sz="3200" dirty="0"/>
+              <a:rPr lang="en-SG" dirty="0"/>
               <a:t>Shamim </a:t>
             </a:r>
             <a:r>
-              <a:rPr lang="en-SG" sz="3200" dirty="0" err="1"/>
+              <a:rPr lang="en-SG" dirty="0" err="1"/>
               <a:t>Munnawar</a:t>
             </a:r>
             <a:r>
-              <a:rPr lang="en-SG" sz="3200" dirty="0"/>
+              <a:rPr lang="en-SG" dirty="0"/>
               <a:t> Bhagat</a:t>
             </a:r>
           </a:p>
           <a:p>
             <a:r>
-              <a:rPr lang="en-SG" sz="3200" dirty="0"/>
+              <a:rPr lang="en-SG" dirty="0"/>
               <a:t>General Assembly Singapore</a:t>
             </a:r>
           </a:p>
@@ -3047,6 +3080,502 @@
     <p:extLst>
       <p:ext uri="{BB962C8B-B14F-4D97-AF65-F5344CB8AC3E}">
         <p14:creationId xmlns:p14="http://schemas.microsoft.com/office/powerpoint/2010/main" val="29210657"/>
+      </p:ext>
+    </p:extLst>
+  </p:cSld>
+  <p:clrMapOvr>
+    <a:masterClrMapping/>
+  </p:clrMapOvr>
+</p:sld>
+</file>
+
+<file path=ppt/slides/slide10.xml><?xml version="1.0" encoding="utf-8"?>
+<p:sld xmlns:a="http://schemas.openxmlformats.org/drawingml/2006/main" xmlns:r="http://schemas.openxmlformats.org/officeDocument/2006/relationships" xmlns:p="http://schemas.openxmlformats.org/presentationml/2006/main">
+  <p:cSld>
+    <p:spTree>
+      <p:nvGrpSpPr>
+        <p:cNvPr id="1" name=""/>
+        <p:cNvGrpSpPr/>
+        <p:nvPr/>
+      </p:nvGrpSpPr>
+      <p:grpSpPr>
+        <a:xfrm>
+          <a:off x="0" y="0"/>
+          <a:ext cx="0" cy="0"/>
+          <a:chOff x="0" y="0"/>
+          <a:chExt cx="0" cy="0"/>
+        </a:xfrm>
+      </p:grpSpPr>
+      <p:sp>
+        <p:nvSpPr>
+          <p:cNvPr id="2" name="Title 1"/>
+          <p:cNvSpPr>
+            <a:spLocks noGrp="1"/>
+          </p:cNvSpPr>
+          <p:nvPr>
+            <p:ph type="title"/>
+          </p:nvPr>
+        </p:nvSpPr>
+        <p:spPr/>
+        <p:txBody>
+          <a:bodyPr/>
+          <a:lstStyle/>
+          <a:p>
+            <a:pPr algn="ctr"/>
+            <a:r>
+              <a:rPr lang="en-SG" b="1" dirty="0"/>
+              <a:t>Difficulties Faced</a:t>
+            </a:r>
+          </a:p>
+        </p:txBody>
+      </p:sp>
+      <p:sp>
+        <p:nvSpPr>
+          <p:cNvPr id="3" name="Content Placeholder 2"/>
+          <p:cNvSpPr>
+            <a:spLocks noGrp="1"/>
+          </p:cNvSpPr>
+          <p:nvPr>
+            <p:ph idx="1"/>
+          </p:nvPr>
+        </p:nvSpPr>
+        <p:spPr/>
+        <p:txBody>
+          <a:bodyPr/>
+          <a:lstStyle/>
+          <a:p>
+            <a:pPr marL="514338" indent="-514338">
+              <a:buAutoNum type="arabicPeriod"/>
+            </a:pPr>
+            <a:r>
+              <a:rPr lang="en-SG" dirty="0"/>
+              <a:t>Knowledge of concepts still very weak</a:t>
+            </a:r>
+          </a:p>
+          <a:p>
+            <a:pPr marL="514338" indent="-514338">
+              <a:buAutoNum type="arabicPeriod"/>
+            </a:pPr>
+            <a:r>
+              <a:rPr lang="en-SG" dirty="0"/>
+              <a:t>Getting the </a:t>
+            </a:r>
+            <a:r>
+              <a:rPr lang="en-SG" dirty="0" err="1"/>
+              <a:t>jquery</a:t>
+            </a:r>
+            <a:r>
+              <a:rPr lang="en-SG" dirty="0"/>
+              <a:t> right</a:t>
+            </a:r>
+          </a:p>
+          <a:p>
+            <a:pPr marL="514338" indent="-514338">
+              <a:buAutoNum type="arabicPeriod"/>
+            </a:pPr>
+            <a:r>
+              <a:rPr lang="en-SG" dirty="0"/>
+              <a:t>Late Nights</a:t>
+            </a:r>
+          </a:p>
+          <a:p>
+            <a:pPr marL="514338" indent="-514338">
+              <a:buAutoNum type="arabicPeriod"/>
+            </a:pPr>
+            <a:r>
+              <a:rPr lang="en-SG" dirty="0"/>
+              <a:t>Creating a back button</a:t>
+            </a:r>
+          </a:p>
+          <a:p>
+            <a:pPr marL="514338" indent="-514338">
+              <a:buAutoNum type="arabicPeriod"/>
+            </a:pPr>
+            <a:r>
+              <a:rPr lang="en-SG" dirty="0"/>
+              <a:t>Creating more choices for questions</a:t>
+            </a:r>
+          </a:p>
+          <a:p>
+            <a:pPr marL="514338" indent="-514338">
+              <a:buAutoNum type="arabicPeriod"/>
+            </a:pPr>
+            <a:r>
+              <a:rPr lang="en-SG" dirty="0"/>
+              <a:t>Running the entire project in JS.</a:t>
+            </a:r>
+          </a:p>
+          <a:p>
+            <a:pPr marL="514338" indent="-514338">
+              <a:buAutoNum type="arabicPeriod"/>
+            </a:pPr>
+            <a:r>
+              <a:rPr lang="en-SG" dirty="0"/>
+              <a:t>Creating the required 10 questions in the timeframe.</a:t>
+            </a:r>
+          </a:p>
+          <a:p>
+            <a:pPr marL="514338" indent="-514338">
+              <a:buAutoNum type="arabicPeriod"/>
+            </a:pPr>
+            <a:endParaRPr lang="en-SG" dirty="0"/>
+          </a:p>
+        </p:txBody>
+      </p:sp>
+    </p:spTree>
+    <p:extLst>
+      <p:ext uri="{BB962C8B-B14F-4D97-AF65-F5344CB8AC3E}">
+        <p14:creationId xmlns:p14="http://schemas.microsoft.com/office/powerpoint/2010/main" val="1511496257"/>
+      </p:ext>
+    </p:extLst>
+  </p:cSld>
+  <p:clrMapOvr>
+    <a:masterClrMapping/>
+  </p:clrMapOvr>
+</p:sld>
+</file>
+
+<file path=ppt/slides/slide11.xml><?xml version="1.0" encoding="utf-8"?>
+<p:sld xmlns:a="http://schemas.openxmlformats.org/drawingml/2006/main" xmlns:r="http://schemas.openxmlformats.org/officeDocument/2006/relationships" xmlns:p="http://schemas.openxmlformats.org/presentationml/2006/main">
+  <p:cSld>
+    <p:spTree>
+      <p:nvGrpSpPr>
+        <p:cNvPr id="1" name=""/>
+        <p:cNvGrpSpPr/>
+        <p:nvPr/>
+      </p:nvGrpSpPr>
+      <p:grpSpPr>
+        <a:xfrm>
+          <a:off x="0" y="0"/>
+          <a:ext cx="0" cy="0"/>
+          <a:chOff x="0" y="0"/>
+          <a:chExt cx="0" cy="0"/>
+        </a:xfrm>
+      </p:grpSpPr>
+      <p:sp>
+        <p:nvSpPr>
+          <p:cNvPr id="2" name="Title 1"/>
+          <p:cNvSpPr>
+            <a:spLocks noGrp="1"/>
+          </p:cNvSpPr>
+          <p:nvPr>
+            <p:ph type="title"/>
+          </p:nvPr>
+        </p:nvSpPr>
+        <p:spPr/>
+        <p:txBody>
+          <a:bodyPr>
+            <a:normAutofit/>
+          </a:bodyPr>
+          <a:lstStyle/>
+          <a:p>
+            <a:pPr algn="ctr"/>
+            <a:r>
+              <a:rPr lang="en-SG" sz="5400" b="1" dirty="0"/>
+              <a:t>References</a:t>
+            </a:r>
+          </a:p>
+        </p:txBody>
+      </p:sp>
+      <p:sp>
+        <p:nvSpPr>
+          <p:cNvPr id="3" name="Content Placeholder 2"/>
+          <p:cNvSpPr>
+            <a:spLocks noGrp="1"/>
+          </p:cNvSpPr>
+          <p:nvPr>
+            <p:ph idx="1"/>
+          </p:nvPr>
+        </p:nvSpPr>
+        <p:spPr/>
+        <p:txBody>
+          <a:bodyPr/>
+          <a:lstStyle/>
+          <a:p>
+            <a:r>
+              <a:rPr lang="en-SG" dirty="0" err="1"/>
+              <a:t>Gitbook</a:t>
+            </a:r>
+            <a:endParaRPr lang="en-SG" dirty="0"/>
+          </a:p>
+          <a:p>
+            <a:r>
+              <a:rPr lang="en-SG" dirty="0"/>
+              <a:t>Mozilla Development Network</a:t>
+            </a:r>
+          </a:p>
+          <a:p>
+            <a:r>
+              <a:rPr lang="en-SG" dirty="0"/>
+              <a:t>W3 School</a:t>
+            </a:r>
+          </a:p>
+          <a:p>
+            <a:r>
+              <a:rPr lang="en-SG" dirty="0" err="1"/>
+              <a:t>CodeAcademy</a:t>
+            </a:r>
+            <a:endParaRPr lang="en-SG" dirty="0"/>
+          </a:p>
+          <a:p>
+            <a:r>
+              <a:rPr lang="en-SG" dirty="0"/>
+              <a:t>Code School</a:t>
+            </a:r>
+          </a:p>
+          <a:p>
+            <a:r>
+              <a:rPr lang="en-SG" dirty="0"/>
+              <a:t>Free Code Camp</a:t>
+            </a:r>
+          </a:p>
+        </p:txBody>
+      </p:sp>
+    </p:spTree>
+    <p:extLst>
+      <p:ext uri="{BB962C8B-B14F-4D97-AF65-F5344CB8AC3E}">
+        <p14:creationId xmlns:p14="http://schemas.microsoft.com/office/powerpoint/2010/main" val="3181354761"/>
+      </p:ext>
+    </p:extLst>
+  </p:cSld>
+  <p:clrMapOvr>
+    <a:masterClrMapping/>
+  </p:clrMapOvr>
+</p:sld>
+</file>
+
+<file path=ppt/slides/slide12.xml><?xml version="1.0" encoding="utf-8"?>
+<p:sld xmlns:a="http://schemas.openxmlformats.org/drawingml/2006/main" xmlns:r="http://schemas.openxmlformats.org/officeDocument/2006/relationships" xmlns:p="http://schemas.openxmlformats.org/presentationml/2006/main">
+  <p:cSld>
+    <p:spTree>
+      <p:nvGrpSpPr>
+        <p:cNvPr id="1" name=""/>
+        <p:cNvGrpSpPr/>
+        <p:nvPr/>
+      </p:nvGrpSpPr>
+      <p:grpSpPr>
+        <a:xfrm>
+          <a:off x="0" y="0"/>
+          <a:ext cx="0" cy="0"/>
+          <a:chOff x="0" y="0"/>
+          <a:chExt cx="0" cy="0"/>
+        </a:xfrm>
+      </p:grpSpPr>
+      <p:sp>
+        <p:nvSpPr>
+          <p:cNvPr id="2" name="Title 1"/>
+          <p:cNvSpPr>
+            <a:spLocks noGrp="1"/>
+          </p:cNvSpPr>
+          <p:nvPr>
+            <p:ph type="title"/>
+          </p:nvPr>
+        </p:nvSpPr>
+        <p:spPr/>
+        <p:txBody>
+          <a:bodyPr>
+            <a:normAutofit/>
+          </a:bodyPr>
+          <a:lstStyle/>
+          <a:p>
+            <a:pPr algn="ctr"/>
+            <a:r>
+              <a:rPr lang="en-SG" sz="5400" b="1" dirty="0"/>
+              <a:t>Credits</a:t>
+            </a:r>
+          </a:p>
+        </p:txBody>
+      </p:sp>
+      <p:sp>
+        <p:nvSpPr>
+          <p:cNvPr id="3" name="Content Placeholder 2"/>
+          <p:cNvSpPr>
+            <a:spLocks noGrp="1"/>
+          </p:cNvSpPr>
+          <p:nvPr>
+            <p:ph idx="1"/>
+          </p:nvPr>
+        </p:nvSpPr>
+        <p:spPr/>
+        <p:txBody>
+          <a:bodyPr/>
+          <a:lstStyle/>
+          <a:p>
+            <a:pPr marL="514350" indent="-514350">
+              <a:buAutoNum type="arabicPeriod"/>
+            </a:pPr>
+            <a:r>
+              <a:rPr lang="en-SG" dirty="0"/>
+              <a:t>Mr Prima </a:t>
+            </a:r>
+            <a:r>
+              <a:rPr lang="en-SG" dirty="0" err="1"/>
+              <a:t>Aulia</a:t>
+            </a:r>
+            <a:r>
+              <a:rPr lang="en-SG" dirty="0"/>
+              <a:t> </a:t>
+            </a:r>
+            <a:r>
+              <a:rPr lang="en-SG" dirty="0" err="1"/>
+              <a:t>Gusta</a:t>
+            </a:r>
+            <a:endParaRPr lang="en-SG" dirty="0"/>
+          </a:p>
+          <a:p>
+            <a:pPr marL="514350" indent="-514350">
+              <a:buAutoNum type="arabicPeriod"/>
+            </a:pPr>
+            <a:r>
+              <a:rPr lang="en-SG" dirty="0"/>
+              <a:t>Mr Glen Choo</a:t>
+            </a:r>
+          </a:p>
+          <a:p>
+            <a:pPr marL="514350" indent="-514350">
+              <a:buAutoNum type="arabicPeriod"/>
+            </a:pPr>
+            <a:r>
+              <a:rPr lang="en-SG" dirty="0"/>
+              <a:t>Miss Tan Kai Ling</a:t>
+            </a:r>
+          </a:p>
+          <a:p>
+            <a:pPr marL="514350" indent="-514350">
+              <a:buAutoNum type="arabicPeriod"/>
+            </a:pPr>
+            <a:r>
+              <a:rPr lang="en-SG" dirty="0"/>
+              <a:t>Mr Bryan Tang</a:t>
+            </a:r>
+          </a:p>
+          <a:p>
+            <a:pPr marL="514350" indent="-514350">
+              <a:buAutoNum type="arabicPeriod"/>
+            </a:pPr>
+            <a:r>
+              <a:rPr lang="en-SG" dirty="0"/>
+              <a:t>Miss </a:t>
+            </a:r>
+            <a:r>
+              <a:rPr lang="en-SG" dirty="0" err="1"/>
+              <a:t>Lani</a:t>
+            </a:r>
+            <a:r>
+              <a:rPr lang="en-SG" dirty="0"/>
+              <a:t> </a:t>
+            </a:r>
+            <a:r>
+              <a:rPr lang="en-SG" dirty="0" err="1"/>
+              <a:t>QuilaQuil</a:t>
+            </a:r>
+            <a:endParaRPr lang="en-SG" dirty="0"/>
+          </a:p>
+          <a:p>
+            <a:pPr marL="514350" indent="-514350">
+              <a:buAutoNum type="arabicPeriod"/>
+            </a:pPr>
+            <a:r>
+              <a:rPr lang="en-SG" dirty="0"/>
+              <a:t>Class of .WDI6</a:t>
+            </a:r>
+          </a:p>
+          <a:p>
+            <a:pPr marL="0" indent="0">
+              <a:buNone/>
+            </a:pPr>
+            <a:endParaRPr lang="en-SG" dirty="0"/>
+          </a:p>
+        </p:txBody>
+      </p:sp>
+    </p:spTree>
+    <p:extLst>
+      <p:ext uri="{BB962C8B-B14F-4D97-AF65-F5344CB8AC3E}">
+        <p14:creationId xmlns:p14="http://schemas.microsoft.com/office/powerpoint/2010/main" val="4006107642"/>
+      </p:ext>
+    </p:extLst>
+  </p:cSld>
+  <p:clrMapOvr>
+    <a:masterClrMapping/>
+  </p:clrMapOvr>
+</p:sld>
+</file>
+
+<file path=ppt/slides/slide13.xml><?xml version="1.0" encoding="utf-8"?>
+<p:sld xmlns:a="http://schemas.openxmlformats.org/drawingml/2006/main" xmlns:r="http://schemas.openxmlformats.org/officeDocument/2006/relationships" xmlns:p="http://schemas.openxmlformats.org/presentationml/2006/main">
+  <p:cSld>
+    <p:spTree>
+      <p:nvGrpSpPr>
+        <p:cNvPr id="1" name=""/>
+        <p:cNvGrpSpPr/>
+        <p:nvPr/>
+      </p:nvGrpSpPr>
+      <p:grpSpPr>
+        <a:xfrm>
+          <a:off x="0" y="0"/>
+          <a:ext cx="0" cy="0"/>
+          <a:chOff x="0" y="0"/>
+          <a:chExt cx="0" cy="0"/>
+        </a:xfrm>
+      </p:grpSpPr>
+      <p:sp>
+        <p:nvSpPr>
+          <p:cNvPr id="3" name="Content Placeholder 2"/>
+          <p:cNvSpPr>
+            <a:spLocks noGrp="1"/>
+          </p:cNvSpPr>
+          <p:nvPr>
+            <p:ph idx="1"/>
+          </p:nvPr>
+        </p:nvSpPr>
+        <p:spPr>
+          <a:xfrm>
+            <a:off x="703885" y="1021185"/>
+            <a:ext cx="7886700" cy="4351338"/>
+          </a:xfrm>
+        </p:spPr>
+        <p:txBody>
+          <a:bodyPr/>
+          <a:lstStyle/>
+          <a:p>
+            <a:pPr marL="0" indent="0">
+              <a:buNone/>
+            </a:pPr>
+            <a:endParaRPr lang="en-SG" dirty="0"/>
+          </a:p>
+          <a:p>
+            <a:pPr marL="0" indent="0">
+              <a:buNone/>
+            </a:pPr>
+            <a:endParaRPr lang="en-SG" dirty="0"/>
+          </a:p>
+          <a:p>
+            <a:pPr marL="0" indent="0">
+              <a:buNone/>
+            </a:pPr>
+            <a:endParaRPr lang="en-SG" dirty="0"/>
+          </a:p>
+          <a:p>
+            <a:pPr marL="0" indent="0">
+              <a:buNone/>
+            </a:pPr>
+            <a:endParaRPr lang="en-SG" dirty="0"/>
+          </a:p>
+          <a:p>
+            <a:pPr marL="0" indent="0" algn="ctr">
+              <a:buNone/>
+            </a:pPr>
+            <a:r>
+              <a:rPr lang="en-SG" sz="5400" dirty="0"/>
+              <a:t>THANK YOU</a:t>
+            </a:r>
+          </a:p>
+        </p:txBody>
+      </p:sp>
+    </p:spTree>
+    <p:extLst>
+      <p:ext uri="{BB962C8B-B14F-4D97-AF65-F5344CB8AC3E}">
+        <p14:creationId xmlns:p14="http://schemas.microsoft.com/office/powerpoint/2010/main" val="2267052792"/>
       </p:ext>
     </p:extLst>
   </p:cSld>
@@ -3085,8 +3614,8 @@
         </p:nvSpPr>
         <p:spPr>
           <a:xfrm>
-            <a:off x="1021466" y="1282620"/>
-            <a:ext cx="6858000" cy="900610"/>
+            <a:off x="1157469" y="362433"/>
+            <a:ext cx="6858000" cy="900611"/>
           </a:xfrm>
         </p:spPr>
         <p:txBody>
@@ -3110,8 +3639,8 @@
         </p:nvSpPr>
         <p:spPr>
           <a:xfrm>
-            <a:off x="1021466" y="2421279"/>
-            <a:ext cx="7130005" cy="1223412"/>
+            <a:off x="1157469" y="1171220"/>
+            <a:ext cx="7130005" cy="6886629"/>
           </a:xfrm>
           <a:prstGeom prst="rect">
             <a:avLst/>
@@ -3125,16 +3654,46 @@
           <a:lstStyle/>
           <a:p>
             <a:pPr algn="ctr"/>
+            <a:endParaRPr lang="en-SG" sz="2000" b="1" dirty="0"/>
+          </a:p>
+          <a:p>
+            <a:pPr algn="ctr"/>
+            <a:r>
+              <a:rPr lang="en-SG" sz="3200" b="1" dirty="0"/>
+              <a:t>Page Title: Music and Pop-Culture Trivia</a:t>
+            </a:r>
+          </a:p>
+          <a:p>
+            <a:pPr algn="ctr"/>
+            <a:endParaRPr lang="en-SG" sz="2000" b="1" dirty="0"/>
+          </a:p>
+          <a:p>
+            <a:pPr algn="ctr"/>
+            <a:r>
+              <a:rPr lang="en-SG" sz="2000" b="1" dirty="0"/>
+              <a:t>Page Header:</a:t>
+            </a:r>
+          </a:p>
+          <a:p>
+            <a:pPr algn="ctr"/>
+            <a:endParaRPr lang="en-SG" sz="2000" b="1" dirty="0"/>
+          </a:p>
+          <a:p>
+            <a:pPr algn="ctr"/>
             <a:r>
               <a:rPr lang="en-SG" sz="2000" dirty="0"/>
-              <a:t>Project Type: 1a, Quiz</a:t>
+              <a:t>So…..Think you know your music and pop culture?</a:t>
             </a:r>
           </a:p>
           <a:p>
             <a:pPr algn="ctr"/>
-            <a:r>
-              <a:rPr lang="en-SG" sz="2000" dirty="0"/>
-              <a:t>Project Requirements:</a:t>
+            <a:endParaRPr lang="en-SG" sz="2000" b="1" dirty="0"/>
+          </a:p>
+          <a:p>
+            <a:pPr algn="ctr"/>
+            <a:r>
+              <a:rPr lang="en-SG" sz="2000" b="1" dirty="0"/>
+              <a:t>Inspiration behind my project:</a:t>
             </a:r>
           </a:p>
           <a:p>
@@ -3143,7 +3702,60 @@
           </a:p>
           <a:p>
             <a:pPr algn="ctr"/>
-            <a:endParaRPr lang="en-SG" sz="1350" dirty="0"/>
+            <a:r>
+              <a:rPr lang="en-SG" sz="2000" dirty="0"/>
+              <a:t>Walking home singing hit me baby one more time, I thought why not incorporate 90s music and some pop culture into my WDI project</a:t>
+            </a:r>
+          </a:p>
+          <a:p>
+            <a:pPr algn="ctr"/>
+            <a:endParaRPr lang="en-SG" sz="2000" dirty="0"/>
+          </a:p>
+          <a:p>
+            <a:pPr algn="ctr"/>
+            <a:r>
+              <a:rPr lang="en-SG" sz="2000" b="1" dirty="0"/>
+              <a:t>Aim</a:t>
+            </a:r>
+          </a:p>
+          <a:p>
+            <a:pPr algn="ctr"/>
+            <a:endParaRPr lang="en-SG" sz="2000" dirty="0"/>
+          </a:p>
+          <a:p>
+            <a:pPr algn="ctr"/>
+            <a:r>
+              <a:rPr lang="en-SG" sz="2000" dirty="0" err="1"/>
+              <a:t>Revieve</a:t>
+            </a:r>
+            <a:r>
+              <a:rPr lang="en-SG" sz="2000" dirty="0"/>
+              <a:t> peoples’ interest in 1990s music through trivia.</a:t>
+            </a:r>
+          </a:p>
+          <a:p>
+            <a:pPr algn="ctr"/>
+            <a:endParaRPr lang="en-SG" sz="2000" dirty="0"/>
+          </a:p>
+          <a:p>
+            <a:pPr algn="ctr"/>
+            <a:endParaRPr lang="en-SG" sz="2000" dirty="0"/>
+          </a:p>
+          <a:p>
+            <a:pPr algn="ctr"/>
+            <a:endParaRPr lang="en-SG" sz="2000" dirty="0"/>
+          </a:p>
+          <a:p>
+            <a:pPr algn="ctr"/>
+            <a:endParaRPr lang="en-SG" sz="2000" dirty="0"/>
+          </a:p>
+          <a:p>
+            <a:pPr algn="ctr"/>
+            <a:endParaRPr lang="en-SG" sz="2000" dirty="0"/>
+          </a:p>
+          <a:p>
+            <a:pPr algn="ctr"/>
+            <a:endParaRPr lang="en-SG" sz="1351" dirty="0"/>
           </a:p>
         </p:txBody>
       </p:sp>
@@ -3189,8 +3801,8 @@
         </p:nvSpPr>
         <p:spPr>
           <a:xfrm>
-            <a:off x="1157468" y="362433"/>
-            <a:ext cx="6858000" cy="900610"/>
+            <a:off x="1157468" y="362434"/>
+            <a:ext cx="6858000" cy="900611"/>
           </a:xfrm>
         </p:spPr>
         <p:txBody>
@@ -3214,8 +3826,8 @@
         </p:nvSpPr>
         <p:spPr>
           <a:xfrm>
-            <a:off x="1021465" y="1599476"/>
-            <a:ext cx="7130005" cy="3993401"/>
+            <a:off x="1021468" y="1599485"/>
+            <a:ext cx="7130005" cy="3993529"/>
           </a:xfrm>
           <a:prstGeom prst="rect">
             <a:avLst/>
@@ -3228,7 +3840,7 @@
           </a:bodyPr>
           <a:lstStyle/>
           <a:p>
-            <a:pPr marL="342900" indent="-342900" algn="ctr">
+            <a:pPr marL="342891" indent="-342891" algn="ctr">
               <a:buFont typeface="Wingdings" panose="05000000000000000000" pitchFamily="2" charset="2"/>
               <a:buChar char="v"/>
             </a:pPr>
@@ -3238,7 +3850,7 @@
             </a:r>
           </a:p>
           <a:p>
-            <a:pPr marL="342900" indent="-342900" algn="ctr">
+            <a:pPr marL="342891" indent="-342891" algn="ctr">
               <a:buFont typeface="Wingdings" panose="05000000000000000000" pitchFamily="2" charset="2"/>
               <a:buChar char="v"/>
             </a:pPr>
@@ -3248,7 +3860,7 @@
             </a:r>
           </a:p>
           <a:p>
-            <a:pPr marL="342900" indent="-342900" algn="ctr">
+            <a:pPr marL="342891" indent="-342891" algn="ctr">
               <a:buFont typeface="Wingdings" panose="05000000000000000000" pitchFamily="2" charset="2"/>
               <a:buChar char="v"/>
             </a:pPr>
@@ -3258,25 +3870,17 @@
             </a:r>
           </a:p>
           <a:p>
-            <a:pPr marL="342900" indent="-342900" algn="ctr">
+            <a:pPr marL="342891" indent="-342891" algn="ctr">
               <a:buFont typeface="Wingdings" panose="05000000000000000000" pitchFamily="2" charset="2"/>
               <a:buChar char="v"/>
             </a:pPr>
             <a:r>
               <a:rPr lang="en-SG" sz="2000" dirty="0"/>
-              <a:t>Scoring </a:t>
-            </a:r>
-            <a:r>
-              <a:rPr lang="en-SG" sz="2000" dirty="0" err="1"/>
-              <a:t>System:If</a:t>
-            </a:r>
-            <a:r>
-              <a:rPr lang="en-SG" sz="2000" dirty="0"/>
-              <a:t> player answers question correctly, he/she scores 10 points. No points are awarded for incorrect responses.</a:t>
-            </a:r>
-          </a:p>
-          <a:p>
-            <a:pPr marL="342900" indent="-342900" algn="ctr">
+              <a:t>Scoring System: If player answers question correctly, he/she scores 10 points. No points are awarded for incorrect responses.</a:t>
+            </a:r>
+          </a:p>
+          <a:p>
+            <a:pPr marL="342891" indent="-342891" algn="ctr">
               <a:buFont typeface="Wingdings" panose="05000000000000000000" pitchFamily="2" charset="2"/>
               <a:buChar char="v"/>
             </a:pPr>
@@ -3286,7 +3890,7 @@
             </a:r>
           </a:p>
           <a:p>
-            <a:pPr marL="342900" indent="-342900" algn="ctr">
+            <a:pPr marL="342891" indent="-342891" algn="ctr">
               <a:buFont typeface="Wingdings" panose="05000000000000000000" pitchFamily="2" charset="2"/>
               <a:buChar char="v"/>
             </a:pPr>
@@ -3296,7 +3900,7 @@
             </a:r>
           </a:p>
           <a:p>
-            <a:pPr marL="342900" indent="-342900" algn="ctr">
+            <a:pPr marL="342891" indent="-342891" algn="ctr">
               <a:buFont typeface="Wingdings" panose="05000000000000000000" pitchFamily="2" charset="2"/>
               <a:buChar char="v"/>
             </a:pPr>
@@ -3307,7 +3911,7 @@
           </a:p>
           <a:p>
             <a:pPr algn="ctr"/>
-            <a:endParaRPr lang="en-SG" sz="1350" dirty="0"/>
+            <a:endParaRPr lang="en-SG" sz="1351" dirty="0"/>
           </a:p>
         </p:txBody>
       </p:sp>
@@ -3378,60 +3982,72 @@
         </p:nvSpPr>
         <p:spPr/>
         <p:txBody>
-          <a:bodyPr/>
-          <a:lstStyle/>
-          <a:p>
-            <a:pPr marL="0" indent="0">
-              <a:buNone/>
+          <a:bodyPr>
+            <a:normAutofit/>
+          </a:bodyPr>
+          <a:lstStyle/>
+          <a:p>
+            <a:pPr>
+              <a:buFont typeface="Wingdings" panose="05000000000000000000" pitchFamily="2" charset="2"/>
+              <a:buChar char="v"/>
             </a:pPr>
             <a:r>
-              <a:rPr lang="en-SG" dirty="0"/>
+              <a:rPr lang="en-SG" sz="2000" dirty="0"/>
               <a:t>Developed Structure mentally</a:t>
             </a:r>
           </a:p>
           <a:p>
-            <a:pPr marL="0" indent="0">
-              <a:buNone/>
+            <a:pPr>
+              <a:buFont typeface="Wingdings" panose="05000000000000000000" pitchFamily="2" charset="2"/>
+              <a:buChar char="v"/>
             </a:pPr>
             <a:r>
-              <a:rPr lang="en-SG" dirty="0"/>
+              <a:rPr lang="en-SG" sz="2000" dirty="0"/>
               <a:t>Wrote down quiz questions</a:t>
             </a:r>
           </a:p>
           <a:p>
-            <a:pPr marL="0" indent="0">
-              <a:buNone/>
+            <a:pPr>
+              <a:buFont typeface="Wingdings" panose="05000000000000000000" pitchFamily="2" charset="2"/>
+              <a:buChar char="v"/>
             </a:pPr>
             <a:r>
-              <a:rPr lang="en-SG" dirty="0"/>
+              <a:rPr lang="en-SG" sz="2000" dirty="0"/>
               <a:t>Drew structure using pen and paper</a:t>
             </a:r>
           </a:p>
           <a:p>
-            <a:pPr marL="0" indent="0">
-              <a:buNone/>
+            <a:pPr>
+              <a:buFont typeface="Wingdings" panose="05000000000000000000" pitchFamily="2" charset="2"/>
+              <a:buChar char="v"/>
             </a:pPr>
             <a:r>
-              <a:rPr lang="en-SG" dirty="0"/>
+              <a:rPr lang="en-SG" sz="2000" dirty="0"/>
               <a:t>Wrote pseudo code(see hyperlink)</a:t>
             </a:r>
           </a:p>
           <a:p>
-            <a:pPr marL="0" indent="0">
-              <a:buNone/>
+            <a:pPr>
+              <a:buFont typeface="Wingdings" panose="05000000000000000000" pitchFamily="2" charset="2"/>
+              <a:buChar char="v"/>
             </a:pPr>
             <a:r>
-              <a:rPr lang="en-SG" dirty="0"/>
+              <a:rPr lang="en-SG" sz="2000" dirty="0"/>
               <a:t>Generated Code based on requirements and pseudo code</a:t>
             </a:r>
           </a:p>
           <a:p>
-            <a:pPr marL="0" indent="0">
-              <a:buNone/>
+            <a:pPr>
+              <a:buFont typeface="Wingdings" panose="05000000000000000000" pitchFamily="2" charset="2"/>
+              <a:buChar char="v"/>
             </a:pPr>
             <a:r>
-              <a:rPr lang="en-SG" dirty="0"/>
-              <a:t>Tested by myself and Mr Glen Choo.</a:t>
+              <a:rPr lang="en-SG" sz="2000" dirty="0"/>
+              <a:t>Tested by myself and my amazing TA Mr Glen Choo</a:t>
+            </a:r>
+            <a:r>
+              <a:rPr lang="en-SG" sz="1800" dirty="0"/>
+              <a:t>.</a:t>
             </a:r>
           </a:p>
         </p:txBody>
@@ -3478,8 +4094,8 @@
         </p:nvSpPr>
         <p:spPr>
           <a:xfrm>
-            <a:off x="544010" y="55799"/>
-            <a:ext cx="7886700" cy="1113243"/>
+            <a:off x="628650" y="475741"/>
+            <a:ext cx="7886700" cy="844240"/>
           </a:xfrm>
         </p:spPr>
         <p:txBody>
@@ -3491,701 +4107,112 @@
             <a:pPr algn="ctr"/>
             <a:r>
               <a:rPr lang="en-SG" sz="5400" b="1" dirty="0"/>
-              <a:t>Wireframe</a:t>
-            </a:r>
-          </a:p>
-        </p:txBody>
-      </p:sp>
-      <p:sp>
-        <p:nvSpPr>
-          <p:cNvPr id="5" name="Rectangle 4"/>
-          <p:cNvSpPr/>
-          <p:nvPr/>
+              <a:t>HTML DOM</a:t>
+            </a:r>
+          </a:p>
+        </p:txBody>
+      </p:sp>
+      <p:sp>
+        <p:nvSpPr>
+          <p:cNvPr id="3" name="Content Placeholder 2"/>
+          <p:cNvSpPr>
+            <a:spLocks noGrp="1"/>
+          </p:cNvSpPr>
+          <p:nvPr>
+            <p:ph idx="1"/>
+          </p:nvPr>
         </p:nvSpPr>
         <p:spPr>
           <a:xfrm>
-            <a:off x="544010" y="960418"/>
-            <a:ext cx="8293261" cy="5555847"/>
-          </a:xfrm>
-          <a:prstGeom prst="rect">
-            <a:avLst/>
-          </a:prstGeom>
-          <a:solidFill>
-            <a:schemeClr val="bg1"/>
-          </a:solidFill>
-        </p:spPr>
-        <p:style>
-          <a:lnRef idx="2">
-            <a:schemeClr val="accent1">
-              <a:shade val="50000"/>
-            </a:schemeClr>
-          </a:lnRef>
-          <a:fillRef idx="1">
-            <a:schemeClr val="accent1"/>
-          </a:fillRef>
-          <a:effectRef idx="0">
-            <a:schemeClr val="accent1"/>
-          </a:effectRef>
-          <a:fontRef idx="minor">
-            <a:schemeClr val="lt1"/>
-          </a:fontRef>
-        </p:style>
-        <p:txBody>
-          <a:bodyPr rtlCol="0" anchor="ctr"/>
-          <a:lstStyle/>
-          <a:p>
-            <a:pPr algn="ctr"/>
+            <a:off x="894121" y="1139825"/>
+            <a:ext cx="7886700" cy="4351338"/>
+          </a:xfrm>
+        </p:spPr>
+        <p:txBody>
+          <a:bodyPr/>
+          <a:lstStyle/>
+          <a:p>
+            <a:pPr marL="0" indent="0">
+              <a:buNone/>
+            </a:pPr>
+            <a:r>
+              <a:rPr lang="en-SG" dirty="0"/>
+              <a:t>                                      Body</a:t>
+            </a:r>
+          </a:p>
+          <a:p>
+            <a:pPr marL="0" indent="0">
+              <a:buNone/>
+            </a:pPr>
+            <a:r>
+              <a:rPr lang="en-SG" dirty="0"/>
+              <a:t>                                   Container</a:t>
+            </a:r>
+          </a:p>
+          <a:p>
+            <a:pPr marL="0" indent="0">
+              <a:buNone/>
+            </a:pPr>
+            <a:r>
+              <a:rPr lang="en-SG" dirty="0"/>
+              <a:t>    Header  Turn         Question                    Score </a:t>
+            </a:r>
+          </a:p>
+          <a:p>
+            <a:pPr marL="0" indent="0">
+              <a:buNone/>
+            </a:pPr>
+            <a:r>
+              <a:rPr lang="en-SG" dirty="0"/>
+              <a:t>        p         </a:t>
+            </a:r>
+            <a:r>
+              <a:rPr lang="en-SG" dirty="0" err="1"/>
+              <a:t>p</a:t>
+            </a:r>
+            <a:r>
+              <a:rPr lang="en-SG" dirty="0"/>
+              <a:t>        </a:t>
+            </a:r>
+            <a:r>
+              <a:rPr lang="en-SG" dirty="0" err="1"/>
+              <a:t>p,ol,audio,button</a:t>
+            </a:r>
+            <a:r>
+              <a:rPr lang="en-SG" dirty="0"/>
+              <a:t>     score1,score2</a:t>
+            </a:r>
+          </a:p>
+          <a:p>
+            <a:pPr marL="0" indent="0">
+              <a:buNone/>
+            </a:pPr>
+            <a:r>
+              <a:rPr lang="en-SG" dirty="0"/>
+              <a:t>                                  li                                  p          </a:t>
+            </a:r>
+            <a:r>
+              <a:rPr lang="en-SG" dirty="0" err="1"/>
+              <a:t>p</a:t>
+            </a:r>
             <a:endParaRPr lang="en-SG" dirty="0"/>
           </a:p>
-        </p:txBody>
-      </p:sp>
-      <p:sp>
-        <p:nvSpPr>
-          <p:cNvPr id="7" name="TextBox 6"/>
-          <p:cNvSpPr txBox="1"/>
-          <p:nvPr/>
-        </p:nvSpPr>
-        <p:spPr>
-          <a:xfrm>
-            <a:off x="544010" y="1074640"/>
-            <a:ext cx="7951083" cy="1200329"/>
-          </a:xfrm>
-          <a:prstGeom prst="rect">
-            <a:avLst/>
-          </a:prstGeom>
-          <a:noFill/>
-        </p:spPr>
-        <p:txBody>
-          <a:bodyPr wrap="square" rtlCol="0">
-            <a:spAutoFit/>
-          </a:bodyPr>
-          <a:lstStyle/>
-          <a:p>
-            <a:pPr algn="ctr"/>
-            <a:r>
-              <a:rPr lang="en-SG" sz="3600" dirty="0"/>
-              <a:t>You Think You Know Your Music and Pop Culture.</a:t>
-            </a:r>
-          </a:p>
-        </p:txBody>
-      </p:sp>
-      <p:sp>
-        <p:nvSpPr>
-          <p:cNvPr id="8" name="Text Box 2"/>
-          <p:cNvSpPr txBox="1"/>
-          <p:nvPr/>
-        </p:nvSpPr>
-        <p:spPr>
-          <a:xfrm>
-            <a:off x="2015275" y="2203766"/>
-            <a:ext cx="4572000" cy="825121"/>
-          </a:xfrm>
-          <a:prstGeom prst="rect">
-            <a:avLst/>
-          </a:prstGeom>
-          <a:solidFill>
-            <a:schemeClr val="lt1"/>
-          </a:solidFill>
-          <a:ln w="6350">
-            <a:solidFill>
-              <a:prstClr val="black"/>
-            </a:solidFill>
-          </a:ln>
-        </p:spPr>
-        <p:txBody>
-          <a:bodyPr rot="0" spcFirstLastPara="0" vert="horz" wrap="square" lIns="91440" tIns="45720" rIns="91440" bIns="45720" numCol="1" spcCol="0" rtlCol="0" fromWordArt="0" anchor="t" anchorCtr="0" forceAA="0" compatLnSpc="1">
-            <a:prstTxWarp prst="textNoShape">
-              <a:avLst/>
-            </a:prstTxWarp>
-            <a:noAutofit/>
-          </a:bodyPr>
-          <a:lstStyle/>
-          <a:p>
-            <a:pPr algn="ctr">
-              <a:lnSpc>
-                <a:spcPct val="107000"/>
-              </a:lnSpc>
-              <a:spcAft>
-                <a:spcPts val="800"/>
-              </a:spcAft>
+          <a:p>
+            <a:pPr marL="0" indent="0">
+              <a:buNone/>
             </a:pPr>
             <a:r>
-              <a:rPr lang="en-SG" sz="1800" dirty="0">
-                <a:effectLst/>
-                <a:latin typeface="Calibri" panose="020F0502020204030204" pitchFamily="34" charset="0"/>
-                <a:ea typeface="Calibri" panose="020F0502020204030204" pitchFamily="34" charset="0"/>
-                <a:cs typeface="Times New Roman" panose="02020603050405020304" pitchFamily="18" charset="0"/>
-              </a:rPr>
-              <a:t>Game Description</a:t>
-            </a:r>
-            <a:endParaRPr lang="en-SG" sz="1100" dirty="0">
-              <a:effectLst/>
-              <a:latin typeface="Calibri" panose="020F0502020204030204" pitchFamily="34" charset="0"/>
-              <a:ea typeface="Calibri" panose="020F0502020204030204" pitchFamily="34" charset="0"/>
-              <a:cs typeface="Times New Roman" panose="02020603050405020304" pitchFamily="18" charset="0"/>
-            </a:endParaRPr>
-          </a:p>
-          <a:p>
-            <a:pPr algn="ctr">
-              <a:lnSpc>
-                <a:spcPct val="107000"/>
-              </a:lnSpc>
-              <a:spcAft>
-                <a:spcPts val="800"/>
-              </a:spcAft>
-            </a:pPr>
-            <a:r>
-              <a:rPr lang="en-SG" sz="1200" dirty="0">
-                <a:effectLst/>
-                <a:latin typeface="Calibri" panose="020F0502020204030204" pitchFamily="34" charset="0"/>
-                <a:ea typeface="Calibri" panose="020F0502020204030204" pitchFamily="34" charset="0"/>
-                <a:cs typeface="Times New Roman" panose="02020603050405020304" pitchFamily="18" charset="0"/>
-              </a:rPr>
-              <a:t>*This </a:t>
-            </a:r>
-            <a:r>
-              <a:rPr lang="en-SG" sz="1200" dirty="0" err="1">
-                <a:effectLst/>
-                <a:latin typeface="Calibri" panose="020F0502020204030204" pitchFamily="34" charset="0"/>
-                <a:ea typeface="Calibri" panose="020F0502020204030204" pitchFamily="34" charset="0"/>
-                <a:cs typeface="Times New Roman" panose="02020603050405020304" pitchFamily="18" charset="0"/>
-              </a:rPr>
-              <a:t>Div</a:t>
-            </a:r>
-            <a:r>
-              <a:rPr lang="en-SG" sz="1200" dirty="0">
-                <a:effectLst/>
-                <a:latin typeface="Calibri" panose="020F0502020204030204" pitchFamily="34" charset="0"/>
-                <a:ea typeface="Calibri" panose="020F0502020204030204" pitchFamily="34" charset="0"/>
-                <a:cs typeface="Times New Roman" panose="02020603050405020304" pitchFamily="18" charset="0"/>
-              </a:rPr>
-              <a:t> Will Have No Border</a:t>
-            </a:r>
-            <a:endParaRPr lang="en-SG" sz="1100" dirty="0">
-              <a:effectLst/>
-              <a:latin typeface="Calibri" panose="020F0502020204030204" pitchFamily="34" charset="0"/>
-              <a:ea typeface="Calibri" panose="020F0502020204030204" pitchFamily="34" charset="0"/>
-              <a:cs typeface="Times New Roman" panose="02020603050405020304" pitchFamily="18" charset="0"/>
-            </a:endParaRPr>
-          </a:p>
-        </p:txBody>
-      </p:sp>
-      <p:sp>
-        <p:nvSpPr>
-          <p:cNvPr id="9" name="Text Box 3"/>
-          <p:cNvSpPr txBox="1"/>
-          <p:nvPr/>
-        </p:nvSpPr>
-        <p:spPr>
-          <a:xfrm>
-            <a:off x="1719395" y="3145430"/>
-            <a:ext cx="5535930" cy="1576152"/>
-          </a:xfrm>
-          <a:prstGeom prst="rect">
-            <a:avLst/>
-          </a:prstGeom>
-          <a:solidFill>
-            <a:schemeClr val="lt1"/>
-          </a:solidFill>
-          <a:ln w="6350">
-            <a:solidFill>
-              <a:prstClr val="black"/>
-            </a:solidFill>
-          </a:ln>
-        </p:spPr>
-        <p:txBody>
-          <a:bodyPr rot="0" spcFirstLastPara="0" vert="horz" wrap="square" lIns="91440" tIns="45720" rIns="91440" bIns="45720" numCol="1" spcCol="0" rtlCol="0" fromWordArt="0" anchor="t" anchorCtr="0" forceAA="0" compatLnSpc="1">
-            <a:prstTxWarp prst="textNoShape">
-              <a:avLst/>
-            </a:prstTxWarp>
-            <a:noAutofit/>
-          </a:bodyPr>
-          <a:lstStyle/>
-          <a:p>
-            <a:pPr>
-              <a:lnSpc>
-                <a:spcPct val="107000"/>
-              </a:lnSpc>
-              <a:spcAft>
-                <a:spcPts val="800"/>
-              </a:spcAft>
-            </a:pPr>
-            <a:r>
-              <a:rPr lang="en-SG" sz="1100" dirty="0">
-                <a:effectLst/>
-                <a:latin typeface="Calibri" panose="020F0502020204030204" pitchFamily="34" charset="0"/>
-                <a:ea typeface="Calibri" panose="020F0502020204030204" pitchFamily="34" charset="0"/>
-                <a:cs typeface="Times New Roman" panose="02020603050405020304" pitchFamily="18" charset="0"/>
-              </a:rPr>
-              <a:t>                                      </a:t>
-            </a:r>
-            <a:r>
-              <a:rPr lang="en-SG" sz="3200" dirty="0">
-                <a:effectLst/>
-                <a:latin typeface="Calibri" panose="020F0502020204030204" pitchFamily="34" charset="0"/>
-                <a:ea typeface="Calibri" panose="020F0502020204030204" pitchFamily="34" charset="0"/>
-                <a:cs typeface="Times New Roman" panose="02020603050405020304" pitchFamily="18" charset="0"/>
-              </a:rPr>
-              <a:t>QUESTION HERE</a:t>
-            </a:r>
-            <a:endParaRPr lang="en-SG" sz="1100" dirty="0">
-              <a:effectLst/>
-              <a:latin typeface="Calibri" panose="020F0502020204030204" pitchFamily="34" charset="0"/>
-              <a:ea typeface="Calibri" panose="020F0502020204030204" pitchFamily="34" charset="0"/>
-              <a:cs typeface="Times New Roman" panose="02020603050405020304" pitchFamily="18" charset="0"/>
-            </a:endParaRPr>
-          </a:p>
-          <a:p>
-            <a:pPr algn="ctr">
-              <a:lnSpc>
-                <a:spcPct val="107000"/>
-              </a:lnSpc>
-              <a:spcAft>
-                <a:spcPts val="800"/>
-              </a:spcAft>
-            </a:pPr>
-            <a:endParaRPr lang="en-SG" sz="1100" dirty="0">
-              <a:effectLst/>
-              <a:latin typeface="Calibri" panose="020F0502020204030204" pitchFamily="34" charset="0"/>
-              <a:ea typeface="Calibri" panose="020F0502020204030204" pitchFamily="34" charset="0"/>
-              <a:cs typeface="Times New Roman" panose="02020603050405020304" pitchFamily="18" charset="0"/>
-            </a:endParaRPr>
-          </a:p>
-        </p:txBody>
-      </p:sp>
-      <p:sp>
-        <p:nvSpPr>
-          <p:cNvPr id="10" name="Rectangle 9"/>
-          <p:cNvSpPr/>
-          <p:nvPr/>
-        </p:nvSpPr>
-        <p:spPr>
-          <a:xfrm>
-            <a:off x="2520990" y="3822744"/>
-            <a:ext cx="1579944" cy="457200"/>
-          </a:xfrm>
-          <a:prstGeom prst="rect">
-            <a:avLst/>
-          </a:prstGeom>
-        </p:spPr>
-        <p:style>
-          <a:lnRef idx="2">
-            <a:schemeClr val="accent1">
-              <a:shade val="50000"/>
-            </a:schemeClr>
-          </a:lnRef>
-          <a:fillRef idx="1">
-            <a:schemeClr val="accent1"/>
-          </a:fillRef>
-          <a:effectRef idx="0">
-            <a:schemeClr val="accent1"/>
-          </a:effectRef>
-          <a:fontRef idx="minor">
-            <a:schemeClr val="lt1"/>
-          </a:fontRef>
-        </p:style>
-        <p:txBody>
-          <a:bodyPr rtlCol="0" anchor="ctr"/>
-          <a:lstStyle/>
-          <a:p>
-            <a:pPr algn="ctr"/>
-            <a:r>
-              <a:rPr lang="en-SG" dirty="0"/>
-              <a:t>Switch Player </a:t>
-            </a:r>
-          </a:p>
-        </p:txBody>
-      </p:sp>
-      <p:sp>
-        <p:nvSpPr>
-          <p:cNvPr id="11" name="Rectangle 10"/>
-          <p:cNvSpPr/>
-          <p:nvPr/>
-        </p:nvSpPr>
-        <p:spPr>
-          <a:xfrm>
-            <a:off x="4379860" y="3822744"/>
-            <a:ext cx="1579944" cy="457200"/>
-          </a:xfrm>
-          <a:prstGeom prst="rect">
-            <a:avLst/>
-          </a:prstGeom>
-        </p:spPr>
-        <p:style>
-          <a:lnRef idx="2">
-            <a:schemeClr val="accent1">
-              <a:shade val="50000"/>
-            </a:schemeClr>
-          </a:lnRef>
-          <a:fillRef idx="1">
-            <a:schemeClr val="accent1"/>
-          </a:fillRef>
-          <a:effectRef idx="0">
-            <a:schemeClr val="accent1"/>
-          </a:effectRef>
-          <a:fontRef idx="minor">
-            <a:schemeClr val="lt1"/>
-          </a:fontRef>
-        </p:style>
-        <p:txBody>
-          <a:bodyPr rtlCol="0" anchor="ctr"/>
-          <a:lstStyle/>
-          <a:p>
-            <a:pPr algn="ctr"/>
-            <a:r>
-              <a:rPr lang="en-SG" dirty="0"/>
-              <a:t>Next </a:t>
-            </a:r>
-            <a:r>
-              <a:rPr lang="en-SG" dirty="0" err="1"/>
-              <a:t>Qn</a:t>
+              <a:rPr lang="en-SG"/>
+              <a:t>                                div</a:t>
             </a:r>
             <a:endParaRPr lang="en-SG" dirty="0"/>
-          </a:p>
-        </p:txBody>
-      </p:sp>
-      <p:sp>
-        <p:nvSpPr>
-          <p:cNvPr id="12" name="Text Box 7"/>
-          <p:cNvSpPr txBox="1"/>
-          <p:nvPr/>
-        </p:nvSpPr>
-        <p:spPr>
-          <a:xfrm>
-            <a:off x="1605384" y="4928671"/>
-            <a:ext cx="2495550" cy="1420043"/>
-          </a:xfrm>
-          <a:prstGeom prst="rect">
-            <a:avLst/>
-          </a:prstGeom>
-          <a:solidFill>
-            <a:schemeClr val="lt1"/>
-          </a:solidFill>
-          <a:ln w="6350">
-            <a:solidFill>
-              <a:prstClr val="black"/>
-            </a:solidFill>
-          </a:ln>
-        </p:spPr>
-        <p:txBody>
-          <a:bodyPr rot="0" spcFirstLastPara="0" vert="horz" wrap="square" lIns="91440" tIns="45720" rIns="91440" bIns="45720" numCol="1" spcCol="0" rtlCol="0" fromWordArt="0" anchor="t" anchorCtr="0" forceAA="0" compatLnSpc="1">
-            <a:prstTxWarp prst="textNoShape">
-              <a:avLst/>
-            </a:prstTxWarp>
-            <a:noAutofit/>
-          </a:bodyPr>
-          <a:lstStyle/>
-          <a:p>
-            <a:pPr>
-              <a:lnSpc>
-                <a:spcPct val="107000"/>
-              </a:lnSpc>
-              <a:spcAft>
-                <a:spcPts val="800"/>
-              </a:spcAft>
-            </a:pPr>
-            <a:r>
-              <a:rPr lang="en-SG" sz="1600" dirty="0">
-                <a:effectLst/>
-                <a:latin typeface="Calibri" panose="020F0502020204030204" pitchFamily="34" charset="0"/>
-                <a:ea typeface="Calibri" panose="020F0502020204030204" pitchFamily="34" charset="0"/>
-                <a:cs typeface="Times New Roman" panose="02020603050405020304" pitchFamily="18" charset="0"/>
-              </a:rPr>
-              <a:t>Player 1 Vital Signs:</a:t>
-            </a:r>
-            <a:endParaRPr lang="en-SG" sz="1050" dirty="0">
-              <a:effectLst/>
-              <a:latin typeface="Calibri" panose="020F0502020204030204" pitchFamily="34" charset="0"/>
-              <a:ea typeface="Calibri" panose="020F0502020204030204" pitchFamily="34" charset="0"/>
-              <a:cs typeface="Times New Roman" panose="02020603050405020304" pitchFamily="18" charset="0"/>
-            </a:endParaRPr>
-          </a:p>
-          <a:p>
-            <a:pPr>
-              <a:lnSpc>
-                <a:spcPct val="107000"/>
-              </a:lnSpc>
-              <a:spcAft>
-                <a:spcPts val="800"/>
-              </a:spcAft>
-            </a:pPr>
-            <a:r>
-              <a:rPr lang="en-SG" sz="1600" dirty="0" err="1">
-                <a:effectLst/>
-                <a:latin typeface="Calibri" panose="020F0502020204030204" pitchFamily="34" charset="0"/>
-                <a:ea typeface="Calibri" panose="020F0502020204030204" pitchFamily="34" charset="0"/>
-                <a:cs typeface="Times New Roman" panose="02020603050405020304" pitchFamily="18" charset="0"/>
-              </a:rPr>
-              <a:t>Qn</a:t>
-            </a:r>
-            <a:r>
-              <a:rPr lang="en-SG" sz="1600" dirty="0">
-                <a:effectLst/>
-                <a:latin typeface="Calibri" panose="020F0502020204030204" pitchFamily="34" charset="0"/>
-                <a:ea typeface="Calibri" panose="020F0502020204030204" pitchFamily="34" charset="0"/>
-                <a:cs typeface="Times New Roman" panose="02020603050405020304" pitchFamily="18" charset="0"/>
-              </a:rPr>
-              <a:t> no :</a:t>
-            </a:r>
-            <a:endParaRPr lang="en-SG" sz="1050" dirty="0">
-              <a:effectLst/>
-              <a:latin typeface="Calibri" panose="020F0502020204030204" pitchFamily="34" charset="0"/>
-              <a:ea typeface="Calibri" panose="020F0502020204030204" pitchFamily="34" charset="0"/>
-              <a:cs typeface="Times New Roman" panose="02020603050405020304" pitchFamily="18" charset="0"/>
-            </a:endParaRPr>
-          </a:p>
-          <a:p>
-            <a:pPr>
-              <a:lnSpc>
-                <a:spcPct val="107000"/>
-              </a:lnSpc>
-              <a:spcAft>
-                <a:spcPts val="800"/>
-              </a:spcAft>
-            </a:pPr>
-            <a:r>
-              <a:rPr lang="en-SG" sz="1600" dirty="0">
-                <a:effectLst/>
-                <a:latin typeface="Calibri" panose="020F0502020204030204" pitchFamily="34" charset="0"/>
-                <a:ea typeface="Calibri" panose="020F0502020204030204" pitchFamily="34" charset="0"/>
-                <a:cs typeface="Times New Roman" panose="02020603050405020304" pitchFamily="18" charset="0"/>
-              </a:rPr>
-              <a:t>Score:</a:t>
-            </a:r>
-            <a:endParaRPr lang="en-SG" sz="1050" dirty="0">
-              <a:effectLst/>
-              <a:latin typeface="Calibri" panose="020F0502020204030204" pitchFamily="34" charset="0"/>
-              <a:ea typeface="Calibri" panose="020F0502020204030204" pitchFamily="34" charset="0"/>
-              <a:cs typeface="Times New Roman" panose="02020603050405020304" pitchFamily="18" charset="0"/>
-            </a:endParaRPr>
-          </a:p>
-          <a:p>
-            <a:pPr>
-              <a:lnSpc>
-                <a:spcPct val="107000"/>
-              </a:lnSpc>
-              <a:spcAft>
-                <a:spcPts val="800"/>
-              </a:spcAft>
-            </a:pPr>
-            <a:r>
-              <a:rPr lang="en-SG" sz="1600" dirty="0">
-                <a:effectLst/>
-                <a:latin typeface="Calibri" panose="020F0502020204030204" pitchFamily="34" charset="0"/>
-                <a:ea typeface="Calibri" panose="020F0502020204030204" pitchFamily="34" charset="0"/>
-                <a:cs typeface="Times New Roman" panose="02020603050405020304" pitchFamily="18" charset="0"/>
-              </a:rPr>
-              <a:t> </a:t>
-            </a:r>
-            <a:r>
-              <a:rPr lang="en-SG" sz="1100" dirty="0">
-                <a:effectLst/>
-                <a:latin typeface="Calibri" panose="020F0502020204030204" pitchFamily="34" charset="0"/>
-                <a:ea typeface="Calibri" panose="020F0502020204030204" pitchFamily="34" charset="0"/>
-                <a:cs typeface="Times New Roman" panose="02020603050405020304" pitchFamily="18" charset="0"/>
-              </a:rPr>
-              <a:t>*This </a:t>
-            </a:r>
-            <a:r>
-              <a:rPr lang="en-SG" sz="1100" dirty="0" err="1">
-                <a:effectLst/>
-                <a:latin typeface="Calibri" panose="020F0502020204030204" pitchFamily="34" charset="0"/>
-                <a:ea typeface="Calibri" panose="020F0502020204030204" pitchFamily="34" charset="0"/>
-                <a:cs typeface="Times New Roman" panose="02020603050405020304" pitchFamily="18" charset="0"/>
-              </a:rPr>
-              <a:t>Div</a:t>
-            </a:r>
-            <a:r>
-              <a:rPr lang="en-SG" sz="1100" dirty="0">
-                <a:effectLst/>
-                <a:latin typeface="Calibri" panose="020F0502020204030204" pitchFamily="34" charset="0"/>
-                <a:ea typeface="Calibri" panose="020F0502020204030204" pitchFamily="34" charset="0"/>
-                <a:cs typeface="Times New Roman" panose="02020603050405020304" pitchFamily="18" charset="0"/>
-              </a:rPr>
-              <a:t> Will Have no border</a:t>
-            </a:r>
-            <a:endParaRPr lang="en-SG" sz="1050" dirty="0">
-              <a:effectLst/>
-              <a:latin typeface="Calibri" panose="020F0502020204030204" pitchFamily="34" charset="0"/>
-              <a:ea typeface="Calibri" panose="020F0502020204030204" pitchFamily="34" charset="0"/>
-              <a:cs typeface="Times New Roman" panose="02020603050405020304" pitchFamily="18" charset="0"/>
-            </a:endParaRPr>
-          </a:p>
-        </p:txBody>
-      </p:sp>
-      <p:sp>
-        <p:nvSpPr>
-          <p:cNvPr id="13" name="Text Box 7"/>
-          <p:cNvSpPr txBox="1"/>
-          <p:nvPr/>
-        </p:nvSpPr>
-        <p:spPr>
-          <a:xfrm>
-            <a:off x="4889266" y="4928671"/>
-            <a:ext cx="2495550" cy="1420043"/>
-          </a:xfrm>
-          <a:prstGeom prst="rect">
-            <a:avLst/>
-          </a:prstGeom>
-          <a:solidFill>
-            <a:schemeClr val="lt1"/>
-          </a:solidFill>
-          <a:ln w="6350">
-            <a:solidFill>
-              <a:prstClr val="black"/>
-            </a:solidFill>
-          </a:ln>
-        </p:spPr>
-        <p:txBody>
-          <a:bodyPr rot="0" spcFirstLastPara="0" vert="horz" wrap="square" lIns="91440" tIns="45720" rIns="91440" bIns="45720" numCol="1" spcCol="0" rtlCol="0" fromWordArt="0" anchor="t" anchorCtr="0" forceAA="0" compatLnSpc="1">
-            <a:prstTxWarp prst="textNoShape">
-              <a:avLst/>
-            </a:prstTxWarp>
-            <a:noAutofit/>
-          </a:bodyPr>
-          <a:lstStyle/>
-          <a:p>
-            <a:pPr>
-              <a:lnSpc>
-                <a:spcPct val="107000"/>
-              </a:lnSpc>
-              <a:spcAft>
-                <a:spcPts val="800"/>
-              </a:spcAft>
-            </a:pPr>
-            <a:r>
-              <a:rPr lang="en-SG" sz="1600" dirty="0">
-                <a:effectLst/>
-                <a:latin typeface="Calibri" panose="020F0502020204030204" pitchFamily="34" charset="0"/>
-                <a:ea typeface="Calibri" panose="020F0502020204030204" pitchFamily="34" charset="0"/>
-                <a:cs typeface="Times New Roman" panose="02020603050405020304" pitchFamily="18" charset="0"/>
-              </a:rPr>
-              <a:t>Player 2 Vital Signs:</a:t>
-            </a:r>
-            <a:endParaRPr lang="en-SG" sz="1050" dirty="0">
-              <a:effectLst/>
-              <a:latin typeface="Calibri" panose="020F0502020204030204" pitchFamily="34" charset="0"/>
-              <a:ea typeface="Calibri" panose="020F0502020204030204" pitchFamily="34" charset="0"/>
-              <a:cs typeface="Times New Roman" panose="02020603050405020304" pitchFamily="18" charset="0"/>
-            </a:endParaRPr>
-          </a:p>
-          <a:p>
-            <a:pPr>
-              <a:lnSpc>
-                <a:spcPct val="107000"/>
-              </a:lnSpc>
-              <a:spcAft>
-                <a:spcPts val="800"/>
-              </a:spcAft>
-            </a:pPr>
-            <a:r>
-              <a:rPr lang="en-SG" sz="1600" dirty="0" err="1">
-                <a:effectLst/>
-                <a:latin typeface="Calibri" panose="020F0502020204030204" pitchFamily="34" charset="0"/>
-                <a:ea typeface="Calibri" panose="020F0502020204030204" pitchFamily="34" charset="0"/>
-                <a:cs typeface="Times New Roman" panose="02020603050405020304" pitchFamily="18" charset="0"/>
-              </a:rPr>
-              <a:t>Qn</a:t>
-            </a:r>
-            <a:r>
-              <a:rPr lang="en-SG" sz="1600" dirty="0">
-                <a:effectLst/>
-                <a:latin typeface="Calibri" panose="020F0502020204030204" pitchFamily="34" charset="0"/>
-                <a:ea typeface="Calibri" panose="020F0502020204030204" pitchFamily="34" charset="0"/>
-                <a:cs typeface="Times New Roman" panose="02020603050405020304" pitchFamily="18" charset="0"/>
-              </a:rPr>
-              <a:t> no :</a:t>
-            </a:r>
-            <a:endParaRPr lang="en-SG" sz="1050" dirty="0">
-              <a:effectLst/>
-              <a:latin typeface="Calibri" panose="020F0502020204030204" pitchFamily="34" charset="0"/>
-              <a:ea typeface="Calibri" panose="020F0502020204030204" pitchFamily="34" charset="0"/>
-              <a:cs typeface="Times New Roman" panose="02020603050405020304" pitchFamily="18" charset="0"/>
-            </a:endParaRPr>
-          </a:p>
-          <a:p>
-            <a:pPr>
-              <a:lnSpc>
-                <a:spcPct val="107000"/>
-              </a:lnSpc>
-              <a:spcAft>
-                <a:spcPts val="800"/>
-              </a:spcAft>
-            </a:pPr>
-            <a:r>
-              <a:rPr lang="en-SG" sz="1600" dirty="0">
-                <a:effectLst/>
-                <a:latin typeface="Calibri" panose="020F0502020204030204" pitchFamily="34" charset="0"/>
-                <a:ea typeface="Calibri" panose="020F0502020204030204" pitchFamily="34" charset="0"/>
-                <a:cs typeface="Times New Roman" panose="02020603050405020304" pitchFamily="18" charset="0"/>
-              </a:rPr>
-              <a:t>Score:</a:t>
-            </a:r>
-            <a:endParaRPr lang="en-SG" sz="1050" dirty="0">
-              <a:effectLst/>
-              <a:latin typeface="Calibri" panose="020F0502020204030204" pitchFamily="34" charset="0"/>
-              <a:ea typeface="Calibri" panose="020F0502020204030204" pitchFamily="34" charset="0"/>
-              <a:cs typeface="Times New Roman" panose="02020603050405020304" pitchFamily="18" charset="0"/>
-            </a:endParaRPr>
-          </a:p>
-          <a:p>
-            <a:pPr>
-              <a:lnSpc>
-                <a:spcPct val="107000"/>
-              </a:lnSpc>
-              <a:spcAft>
-                <a:spcPts val="800"/>
-              </a:spcAft>
-            </a:pPr>
-            <a:r>
-              <a:rPr lang="en-SG" sz="1600" dirty="0">
-                <a:effectLst/>
-                <a:latin typeface="Calibri" panose="020F0502020204030204" pitchFamily="34" charset="0"/>
-                <a:ea typeface="Calibri" panose="020F0502020204030204" pitchFamily="34" charset="0"/>
-                <a:cs typeface="Times New Roman" panose="02020603050405020304" pitchFamily="18" charset="0"/>
-              </a:rPr>
-              <a:t> </a:t>
-            </a:r>
-            <a:r>
-              <a:rPr lang="en-SG" sz="1100" dirty="0">
-                <a:effectLst/>
-                <a:latin typeface="Calibri" panose="020F0502020204030204" pitchFamily="34" charset="0"/>
-                <a:ea typeface="Calibri" panose="020F0502020204030204" pitchFamily="34" charset="0"/>
-                <a:cs typeface="Times New Roman" panose="02020603050405020304" pitchFamily="18" charset="0"/>
-              </a:rPr>
-              <a:t>*This </a:t>
-            </a:r>
-            <a:r>
-              <a:rPr lang="en-SG" sz="1100" dirty="0" err="1">
-                <a:effectLst/>
-                <a:latin typeface="Calibri" panose="020F0502020204030204" pitchFamily="34" charset="0"/>
-                <a:ea typeface="Calibri" panose="020F0502020204030204" pitchFamily="34" charset="0"/>
-                <a:cs typeface="Times New Roman" panose="02020603050405020304" pitchFamily="18" charset="0"/>
-              </a:rPr>
-              <a:t>Div</a:t>
-            </a:r>
-            <a:r>
-              <a:rPr lang="en-SG" sz="1100" dirty="0">
-                <a:effectLst/>
-                <a:latin typeface="Calibri" panose="020F0502020204030204" pitchFamily="34" charset="0"/>
-                <a:ea typeface="Calibri" panose="020F0502020204030204" pitchFamily="34" charset="0"/>
-                <a:cs typeface="Times New Roman" panose="02020603050405020304" pitchFamily="18" charset="0"/>
-              </a:rPr>
-              <a:t> Will Have no border</a:t>
-            </a:r>
-            <a:endParaRPr lang="en-SG" sz="1050" dirty="0">
-              <a:effectLst/>
-              <a:latin typeface="Calibri" panose="020F0502020204030204" pitchFamily="34" charset="0"/>
-              <a:ea typeface="Calibri" panose="020F0502020204030204" pitchFamily="34" charset="0"/>
-              <a:cs typeface="Times New Roman" panose="02020603050405020304" pitchFamily="18" charset="0"/>
-            </a:endParaRPr>
           </a:p>
         </p:txBody>
       </p:sp>
     </p:spTree>
     <p:extLst>
       <p:ext uri="{BB962C8B-B14F-4D97-AF65-F5344CB8AC3E}">
-        <p14:creationId xmlns:p14="http://schemas.microsoft.com/office/powerpoint/2010/main" val="939350868"/>
+        <p14:creationId xmlns:p14="http://schemas.microsoft.com/office/powerpoint/2010/main" val="3735781781"/>
       </p:ext>
     </p:extLst>
   </p:cSld>
@@ -4219,38 +4246,82 @@
             <a:spLocks noGrp="1"/>
           </p:cNvSpPr>
           <p:nvPr>
-            <p:ph type="ctrTitle"/>
+            <p:ph type="title"/>
           </p:nvPr>
         </p:nvSpPr>
         <p:spPr>
           <a:xfrm>
-            <a:off x="766823" y="381583"/>
-            <a:ext cx="7772400" cy="908994"/>
+            <a:off x="544017" y="55802"/>
+            <a:ext cx="7886700" cy="1113243"/>
           </a:xfrm>
         </p:spPr>
         <p:txBody>
           <a:bodyPr>
-            <a:normAutofit fontScale="90000"/>
+            <a:normAutofit/>
           </a:bodyPr>
           <a:lstStyle/>
           <a:p>
-            <a:r>
-              <a:rPr lang="en-SG" b="1" dirty="0"/>
-              <a:t>Code Organisation</a:t>
-            </a:r>
-          </a:p>
-        </p:txBody>
-      </p:sp>
-      <p:sp>
-        <p:nvSpPr>
-          <p:cNvPr id="5" name="TextBox 4"/>
+            <a:pPr algn="ctr"/>
+            <a:r>
+              <a:rPr lang="en-SG" sz="5400" b="1" dirty="0"/>
+              <a:t>Wireframe</a:t>
+            </a:r>
+          </a:p>
+        </p:txBody>
+      </p:sp>
+      <p:sp>
+        <p:nvSpPr>
+          <p:cNvPr id="5" name="Rectangle 4"/>
+          <p:cNvSpPr/>
+          <p:nvPr/>
+        </p:nvSpPr>
+        <p:spPr>
+          <a:xfrm>
+            <a:off x="544013" y="930144"/>
+            <a:ext cx="8293261" cy="5555847"/>
+          </a:xfrm>
+          <a:prstGeom prst="rect">
+            <a:avLst/>
+          </a:prstGeom>
+          <a:solidFill>
+            <a:schemeClr val="bg1"/>
+          </a:solidFill>
+        </p:spPr>
+        <p:style>
+          <a:lnRef idx="2">
+            <a:schemeClr val="accent1">
+              <a:shade val="50000"/>
+            </a:schemeClr>
+          </a:lnRef>
+          <a:fillRef idx="1">
+            <a:schemeClr val="accent1"/>
+          </a:fillRef>
+          <a:effectRef idx="0">
+            <a:schemeClr val="accent1"/>
+          </a:effectRef>
+          <a:fontRef idx="minor">
+            <a:schemeClr val="lt1"/>
+          </a:fontRef>
+        </p:style>
+        <p:txBody>
+          <a:bodyPr rtlCol="0" anchor="ctr"/>
+          <a:lstStyle/>
+          <a:p>
+            <a:pPr algn="ctr"/>
+            <a:endParaRPr lang="en-SG" dirty="0"/>
+          </a:p>
+        </p:txBody>
+      </p:sp>
+      <p:sp>
+        <p:nvSpPr>
+          <p:cNvPr id="7" name="TextBox 6"/>
           <p:cNvSpPr txBox="1"/>
           <p:nvPr/>
         </p:nvSpPr>
         <p:spPr>
           <a:xfrm>
-            <a:off x="1059083" y="1626243"/>
-            <a:ext cx="7407798" cy="1200329"/>
+            <a:off x="511821" y="1028685"/>
+            <a:ext cx="7951083" cy="1107996"/>
           </a:xfrm>
           <a:prstGeom prst="rect">
             <a:avLst/>
@@ -4263,32 +4334,1011 @@
           </a:bodyPr>
           <a:lstStyle/>
           <a:p>
+            <a:pPr algn="ctr"/>
+            <a:r>
+              <a:rPr lang="en-SG" sz="3300" dirty="0"/>
+              <a:t>You Think You Know Your Music and Pop Culture.(h1)</a:t>
+            </a:r>
+          </a:p>
+        </p:txBody>
+      </p:sp>
+      <p:sp>
+        <p:nvSpPr>
+          <p:cNvPr id="8" name="Text Box 2"/>
+          <p:cNvSpPr txBox="1"/>
+          <p:nvPr/>
+        </p:nvSpPr>
+        <p:spPr>
+          <a:xfrm>
+            <a:off x="2083452" y="2114170"/>
+            <a:ext cx="4572000" cy="683226"/>
+          </a:xfrm>
+          <a:prstGeom prst="rect">
+            <a:avLst/>
+          </a:prstGeom>
+          <a:solidFill>
+            <a:schemeClr val="lt1"/>
+          </a:solidFill>
+          <a:ln w="6350">
+            <a:solidFill>
+              <a:prstClr val="black"/>
+            </a:solidFill>
+          </a:ln>
+        </p:spPr>
+        <p:txBody>
+          <a:bodyPr rot="0" spcFirstLastPara="0" vert="horz" wrap="square" lIns="91440" tIns="45720" rIns="91440" bIns="45720" numCol="1" spcCol="0" rtlCol="0" fromWordArt="0" anchor="t" anchorCtr="0" forceAA="0" compatLnSpc="1">
+            <a:prstTxWarp prst="textNoShape">
+              <a:avLst/>
+            </a:prstTxWarp>
+            <a:noAutofit/>
+          </a:bodyPr>
+          <a:lstStyle/>
+          <a:p>
+            <a:pPr algn="ctr">
+              <a:lnSpc>
+                <a:spcPct val="107000"/>
+              </a:lnSpc>
+              <a:spcAft>
+                <a:spcPts val="800"/>
+              </a:spcAft>
+            </a:pPr>
+            <a:r>
+              <a:rPr lang="en-SG" dirty="0">
+                <a:latin typeface="Calibri" panose="020F0502020204030204" pitchFamily="34" charset="0"/>
+                <a:ea typeface="Calibri" panose="020F0502020204030204" pitchFamily="34" charset="0"/>
+                <a:cs typeface="Times New Roman" panose="02020603050405020304" pitchFamily="18" charset="0"/>
+              </a:rPr>
+              <a:t>Game Description(div)</a:t>
+            </a:r>
+            <a:endParaRPr lang="en-SG" sz="1100" dirty="0">
+              <a:latin typeface="Calibri" panose="020F0502020204030204" pitchFamily="34" charset="0"/>
+              <a:ea typeface="Calibri" panose="020F0502020204030204" pitchFamily="34" charset="0"/>
+              <a:cs typeface="Times New Roman" panose="02020603050405020304" pitchFamily="18" charset="0"/>
+            </a:endParaRPr>
+          </a:p>
+          <a:p>
+            <a:pPr algn="ctr">
+              <a:lnSpc>
+                <a:spcPct val="107000"/>
+              </a:lnSpc>
+              <a:spcAft>
+                <a:spcPts val="800"/>
+              </a:spcAft>
+            </a:pPr>
+            <a:r>
+              <a:rPr lang="en-SG" sz="1200" dirty="0">
+                <a:latin typeface="Calibri" panose="020F0502020204030204" pitchFamily="34" charset="0"/>
+                <a:ea typeface="Calibri" panose="020F0502020204030204" pitchFamily="34" charset="0"/>
+                <a:cs typeface="Times New Roman" panose="02020603050405020304" pitchFamily="18" charset="0"/>
+              </a:rPr>
+              <a:t>*This </a:t>
+            </a:r>
+            <a:r>
+              <a:rPr lang="en-SG" sz="1200" dirty="0" err="1">
+                <a:latin typeface="Calibri" panose="020F0502020204030204" pitchFamily="34" charset="0"/>
+                <a:ea typeface="Calibri" panose="020F0502020204030204" pitchFamily="34" charset="0"/>
+                <a:cs typeface="Times New Roman" panose="02020603050405020304" pitchFamily="18" charset="0"/>
+              </a:rPr>
+              <a:t>Div</a:t>
+            </a:r>
+            <a:r>
+              <a:rPr lang="en-SG" sz="1200" dirty="0">
+                <a:latin typeface="Calibri" panose="020F0502020204030204" pitchFamily="34" charset="0"/>
+                <a:ea typeface="Calibri" panose="020F0502020204030204" pitchFamily="34" charset="0"/>
+                <a:cs typeface="Times New Roman" panose="02020603050405020304" pitchFamily="18" charset="0"/>
+              </a:rPr>
+              <a:t> Will Have No Border</a:t>
+            </a:r>
+            <a:endParaRPr lang="en-SG" sz="1100" dirty="0">
+              <a:latin typeface="Calibri" panose="020F0502020204030204" pitchFamily="34" charset="0"/>
+              <a:ea typeface="Calibri" panose="020F0502020204030204" pitchFamily="34" charset="0"/>
+              <a:cs typeface="Times New Roman" panose="02020603050405020304" pitchFamily="18" charset="0"/>
+            </a:endParaRPr>
+          </a:p>
+        </p:txBody>
+      </p:sp>
+      <p:sp>
+        <p:nvSpPr>
+          <p:cNvPr id="9" name="Text Box 3"/>
+          <p:cNvSpPr txBox="1"/>
+          <p:nvPr/>
+        </p:nvSpPr>
+        <p:spPr>
+          <a:xfrm>
+            <a:off x="1751586" y="3145439"/>
+            <a:ext cx="5535931" cy="1783241"/>
+          </a:xfrm>
+          <a:prstGeom prst="rect">
+            <a:avLst/>
+          </a:prstGeom>
+          <a:solidFill>
+            <a:schemeClr val="lt1"/>
+          </a:solidFill>
+          <a:ln w="6350">
+            <a:solidFill>
+              <a:prstClr val="black"/>
+            </a:solidFill>
+          </a:ln>
+        </p:spPr>
+        <p:txBody>
+          <a:bodyPr rot="0" spcFirstLastPara="0" vert="horz" wrap="square" lIns="91440" tIns="45720" rIns="91440" bIns="45720" numCol="1" spcCol="0" rtlCol="0" fromWordArt="0" anchor="t" anchorCtr="0" forceAA="0" compatLnSpc="1">
+            <a:prstTxWarp prst="textNoShape">
+              <a:avLst/>
+            </a:prstTxWarp>
+            <a:noAutofit/>
+          </a:bodyPr>
+          <a:lstStyle/>
+          <a:p>
+            <a:pPr>
+              <a:lnSpc>
+                <a:spcPct val="107000"/>
+              </a:lnSpc>
+              <a:spcAft>
+                <a:spcPts val="800"/>
+              </a:spcAft>
+            </a:pPr>
+            <a:r>
+              <a:rPr lang="en-SG" sz="1100" dirty="0">
+                <a:latin typeface="Calibri" panose="020F0502020204030204" pitchFamily="34" charset="0"/>
+                <a:ea typeface="Calibri" panose="020F0502020204030204" pitchFamily="34" charset="0"/>
+                <a:cs typeface="Times New Roman" panose="02020603050405020304" pitchFamily="18" charset="0"/>
+              </a:rPr>
+              <a:t>                            </a:t>
+            </a:r>
+            <a:r>
+              <a:rPr lang="en-SG" dirty="0">
+                <a:latin typeface="Calibri" panose="020F0502020204030204" pitchFamily="34" charset="0"/>
+                <a:ea typeface="Calibri" panose="020F0502020204030204" pitchFamily="34" charset="0"/>
+                <a:cs typeface="Times New Roman" panose="02020603050405020304" pitchFamily="18" charset="0"/>
+              </a:rPr>
+              <a:t>          QUESTION HERE(div)</a:t>
+            </a:r>
+          </a:p>
+          <a:p>
+            <a:pPr>
+              <a:lnSpc>
+                <a:spcPct val="107000"/>
+              </a:lnSpc>
+              <a:spcAft>
+                <a:spcPts val="800"/>
+              </a:spcAft>
+            </a:pPr>
+            <a:r>
+              <a:rPr lang="en-SG" dirty="0">
+                <a:latin typeface="Calibri" panose="020F0502020204030204" pitchFamily="34" charset="0"/>
+                <a:ea typeface="Calibri" panose="020F0502020204030204" pitchFamily="34" charset="0"/>
+                <a:cs typeface="Times New Roman" panose="02020603050405020304" pitchFamily="18" charset="0"/>
+              </a:rPr>
+              <a:t>                                            Ordered List Items</a:t>
+            </a:r>
+          </a:p>
+          <a:p>
+            <a:pPr algn="ctr">
+              <a:lnSpc>
+                <a:spcPct val="107000"/>
+              </a:lnSpc>
+              <a:spcAft>
+                <a:spcPts val="800"/>
+              </a:spcAft>
+            </a:pPr>
+            <a:endParaRPr lang="en-SG" sz="1100" dirty="0">
+              <a:latin typeface="Calibri" panose="020F0502020204030204" pitchFamily="34" charset="0"/>
+              <a:ea typeface="Calibri" panose="020F0502020204030204" pitchFamily="34" charset="0"/>
+              <a:cs typeface="Times New Roman" panose="02020603050405020304" pitchFamily="18" charset="0"/>
+            </a:endParaRPr>
+          </a:p>
+          <a:p>
+            <a:pPr algn="ctr">
+              <a:lnSpc>
+                <a:spcPct val="107000"/>
+              </a:lnSpc>
+              <a:spcAft>
+                <a:spcPts val="800"/>
+              </a:spcAft>
+            </a:pPr>
+            <a:endParaRPr lang="en-SG" sz="1100" dirty="0">
+              <a:latin typeface="Calibri" panose="020F0502020204030204" pitchFamily="34" charset="0"/>
+              <a:ea typeface="Calibri" panose="020F0502020204030204" pitchFamily="34" charset="0"/>
+              <a:cs typeface="Times New Roman" panose="02020603050405020304" pitchFamily="18" charset="0"/>
+            </a:endParaRPr>
+          </a:p>
+          <a:p>
+            <a:pPr algn="ctr">
+              <a:lnSpc>
+                <a:spcPct val="107000"/>
+              </a:lnSpc>
+              <a:spcAft>
+                <a:spcPts val="800"/>
+              </a:spcAft>
+            </a:pPr>
+            <a:r>
+              <a:rPr lang="en-SG" sz="1200" dirty="0">
+                <a:latin typeface="Calibri" panose="020F0502020204030204" pitchFamily="34" charset="0"/>
+                <a:ea typeface="Calibri" panose="020F0502020204030204" pitchFamily="34" charset="0"/>
+                <a:cs typeface="Times New Roman" panose="02020603050405020304" pitchFamily="18" charset="0"/>
+              </a:rPr>
+              <a:t>   </a:t>
+            </a:r>
+            <a:r>
+              <a:rPr lang="en-SG" sz="1200" dirty="0" err="1">
+                <a:latin typeface="Calibri" panose="020F0502020204030204" pitchFamily="34" charset="0"/>
+                <a:ea typeface="Calibri" panose="020F0502020204030204" pitchFamily="34" charset="0"/>
+                <a:cs typeface="Times New Roman" panose="02020603050405020304" pitchFamily="18" charset="0"/>
+              </a:rPr>
+              <a:t>Divs</a:t>
+            </a:r>
+            <a:endParaRPr lang="en-SG" sz="1200" dirty="0">
+              <a:latin typeface="Calibri" panose="020F0502020204030204" pitchFamily="34" charset="0"/>
+              <a:ea typeface="Calibri" panose="020F0502020204030204" pitchFamily="34" charset="0"/>
+              <a:cs typeface="Times New Roman" panose="02020603050405020304" pitchFamily="18" charset="0"/>
+            </a:endParaRPr>
+          </a:p>
+          <a:p>
+            <a:pPr algn="ctr">
+              <a:lnSpc>
+                <a:spcPct val="107000"/>
+              </a:lnSpc>
+              <a:spcAft>
+                <a:spcPts val="800"/>
+              </a:spcAft>
+            </a:pPr>
+            <a:endParaRPr lang="en-SG" sz="1100" dirty="0">
+              <a:latin typeface="Calibri" panose="020F0502020204030204" pitchFamily="34" charset="0"/>
+              <a:ea typeface="Calibri" panose="020F0502020204030204" pitchFamily="34" charset="0"/>
+              <a:cs typeface="Times New Roman" panose="02020603050405020304" pitchFamily="18" charset="0"/>
+            </a:endParaRPr>
+          </a:p>
+        </p:txBody>
+      </p:sp>
+      <p:sp>
+        <p:nvSpPr>
+          <p:cNvPr id="10" name="Rectangle 9"/>
+          <p:cNvSpPr/>
+          <p:nvPr/>
+        </p:nvSpPr>
+        <p:spPr>
+          <a:xfrm>
+            <a:off x="2176499" y="4345223"/>
+            <a:ext cx="1579944" cy="457200"/>
+          </a:xfrm>
+          <a:prstGeom prst="rect">
+            <a:avLst/>
+          </a:prstGeom>
+          <a:solidFill>
+            <a:schemeClr val="bg1">
+              <a:lumMod val="75000"/>
+            </a:schemeClr>
+          </a:solidFill>
+        </p:spPr>
+        <p:style>
+          <a:lnRef idx="2">
+            <a:schemeClr val="accent1">
+              <a:shade val="50000"/>
+            </a:schemeClr>
+          </a:lnRef>
+          <a:fillRef idx="1">
+            <a:schemeClr val="accent1"/>
+          </a:fillRef>
+          <a:effectRef idx="0">
+            <a:schemeClr val="accent1"/>
+          </a:effectRef>
+          <a:fontRef idx="minor">
+            <a:schemeClr val="lt1"/>
+          </a:fontRef>
+        </p:style>
+        <p:txBody>
+          <a:bodyPr rtlCol="0" anchor="ctr"/>
+          <a:lstStyle/>
+          <a:p>
+            <a:pPr algn="ctr"/>
+            <a:r>
+              <a:rPr lang="en-SG" sz="1200" dirty="0"/>
+              <a:t>Switch Player </a:t>
+            </a:r>
+          </a:p>
+        </p:txBody>
+      </p:sp>
+      <p:sp>
+        <p:nvSpPr>
+          <p:cNvPr id="11" name="Rectangle 10"/>
+          <p:cNvSpPr/>
+          <p:nvPr/>
+        </p:nvSpPr>
+        <p:spPr>
+          <a:xfrm>
+            <a:off x="5188351" y="4345223"/>
+            <a:ext cx="1579944" cy="457200"/>
+          </a:xfrm>
+          <a:prstGeom prst="rect">
+            <a:avLst/>
+          </a:prstGeom>
+          <a:solidFill>
+            <a:schemeClr val="bg1">
+              <a:lumMod val="75000"/>
+            </a:schemeClr>
+          </a:solidFill>
+          <a:ln>
+            <a:solidFill>
+              <a:schemeClr val="bg1">
+                <a:lumMod val="65000"/>
+              </a:schemeClr>
+            </a:solidFill>
+          </a:ln>
+        </p:spPr>
+        <p:style>
+          <a:lnRef idx="2">
+            <a:schemeClr val="accent1">
+              <a:shade val="50000"/>
+            </a:schemeClr>
+          </a:lnRef>
+          <a:fillRef idx="1">
+            <a:schemeClr val="accent1"/>
+          </a:fillRef>
+          <a:effectRef idx="0">
+            <a:schemeClr val="accent1"/>
+          </a:effectRef>
+          <a:fontRef idx="minor">
+            <a:schemeClr val="lt1"/>
+          </a:fontRef>
+        </p:style>
+        <p:txBody>
+          <a:bodyPr rtlCol="0" anchor="ctr"/>
+          <a:lstStyle/>
+          <a:p>
+            <a:pPr algn="ctr"/>
+            <a:r>
+              <a:rPr lang="en-SG" sz="1400" dirty="0"/>
+              <a:t>Next </a:t>
+            </a:r>
+            <a:r>
+              <a:rPr lang="en-SG" sz="1400" dirty="0" err="1"/>
+              <a:t>Qn</a:t>
+            </a:r>
+            <a:endParaRPr lang="en-SG" sz="1400" dirty="0"/>
+          </a:p>
+        </p:txBody>
+      </p:sp>
+      <p:sp>
+        <p:nvSpPr>
+          <p:cNvPr id="12" name="Text Box 7"/>
+          <p:cNvSpPr txBox="1"/>
+          <p:nvPr/>
+        </p:nvSpPr>
+        <p:spPr>
+          <a:xfrm>
+            <a:off x="1645902" y="5062846"/>
+            <a:ext cx="2495551" cy="1167788"/>
+          </a:xfrm>
+          <a:prstGeom prst="rect">
+            <a:avLst/>
+          </a:prstGeom>
+          <a:solidFill>
+            <a:schemeClr val="lt1"/>
+          </a:solidFill>
+          <a:ln w="6350">
+            <a:solidFill>
+              <a:prstClr val="black"/>
+            </a:solidFill>
+          </a:ln>
+        </p:spPr>
+        <p:txBody>
+          <a:bodyPr rot="0" spcFirstLastPara="0" vert="horz" wrap="square" lIns="91440" tIns="45720" rIns="91440" bIns="45720" numCol="1" spcCol="0" rtlCol="0" fromWordArt="0" anchor="t" anchorCtr="0" forceAA="0" compatLnSpc="1">
+            <a:prstTxWarp prst="textNoShape">
+              <a:avLst/>
+            </a:prstTxWarp>
+            <a:noAutofit/>
+          </a:bodyPr>
+          <a:lstStyle/>
+          <a:p>
+            <a:pPr>
+              <a:lnSpc>
+                <a:spcPct val="107000"/>
+              </a:lnSpc>
+              <a:spcAft>
+                <a:spcPts val="800"/>
+              </a:spcAft>
+            </a:pPr>
+            <a:r>
+              <a:rPr lang="en-SG" sz="1600" dirty="0">
+                <a:latin typeface="Calibri" panose="020F0502020204030204" pitchFamily="34" charset="0"/>
+                <a:ea typeface="Calibri" panose="020F0502020204030204" pitchFamily="34" charset="0"/>
+                <a:cs typeface="Times New Roman" panose="02020603050405020304" pitchFamily="18" charset="0"/>
+              </a:rPr>
+              <a:t>Player 1 Vital Signs</a:t>
+            </a:r>
+            <a:r>
+              <a:rPr lang="en-SG" sz="1600" dirty="0">
+                <a:latin typeface="Calibri" panose="020F0502020204030204" pitchFamily="34" charset="0"/>
+                <a:ea typeface="Calibri" panose="020F0502020204030204" pitchFamily="34" charset="0"/>
+                <a:cs typeface="Times New Roman" panose="02020603050405020304" pitchFamily="18" charset="0"/>
+                <a:sym typeface="Wingdings" panose="05000000000000000000" pitchFamily="2" charset="2"/>
+              </a:rPr>
+              <a:t> (div)</a:t>
+            </a:r>
+            <a:endParaRPr lang="en-SG" sz="1051" dirty="0">
+              <a:latin typeface="Calibri" panose="020F0502020204030204" pitchFamily="34" charset="0"/>
+              <a:ea typeface="Calibri" panose="020F0502020204030204" pitchFamily="34" charset="0"/>
+              <a:cs typeface="Times New Roman" panose="02020603050405020304" pitchFamily="18" charset="0"/>
+            </a:endParaRPr>
+          </a:p>
+          <a:p>
+            <a:pPr>
+              <a:lnSpc>
+                <a:spcPct val="107000"/>
+              </a:lnSpc>
+              <a:spcAft>
+                <a:spcPts val="800"/>
+              </a:spcAft>
+            </a:pPr>
+            <a:r>
+              <a:rPr lang="en-SG" sz="1600" dirty="0" err="1">
+                <a:latin typeface="Calibri" panose="020F0502020204030204" pitchFamily="34" charset="0"/>
+                <a:ea typeface="Calibri" panose="020F0502020204030204" pitchFamily="34" charset="0"/>
+                <a:cs typeface="Times New Roman" panose="02020603050405020304" pitchFamily="18" charset="0"/>
+              </a:rPr>
+              <a:t>Qn</a:t>
+            </a:r>
+            <a:r>
+              <a:rPr lang="en-SG" sz="1600" dirty="0">
+                <a:latin typeface="Calibri" panose="020F0502020204030204" pitchFamily="34" charset="0"/>
+                <a:ea typeface="Calibri" panose="020F0502020204030204" pitchFamily="34" charset="0"/>
+                <a:cs typeface="Times New Roman" panose="02020603050405020304" pitchFamily="18" charset="0"/>
+              </a:rPr>
+              <a:t> no :</a:t>
+            </a:r>
+            <a:endParaRPr lang="en-SG" sz="1051" dirty="0">
+              <a:latin typeface="Calibri" panose="020F0502020204030204" pitchFamily="34" charset="0"/>
+              <a:ea typeface="Calibri" panose="020F0502020204030204" pitchFamily="34" charset="0"/>
+              <a:cs typeface="Times New Roman" panose="02020603050405020304" pitchFamily="18" charset="0"/>
+            </a:endParaRPr>
+          </a:p>
+          <a:p>
+            <a:pPr>
+              <a:lnSpc>
+                <a:spcPct val="107000"/>
+              </a:lnSpc>
+              <a:spcAft>
+                <a:spcPts val="800"/>
+              </a:spcAft>
+            </a:pPr>
+            <a:r>
+              <a:rPr lang="en-SG" sz="1600" dirty="0">
+                <a:latin typeface="Calibri" panose="020F0502020204030204" pitchFamily="34" charset="0"/>
+                <a:ea typeface="Calibri" panose="020F0502020204030204" pitchFamily="34" charset="0"/>
+                <a:cs typeface="Times New Roman" panose="02020603050405020304" pitchFamily="18" charset="0"/>
+              </a:rPr>
+              <a:t>Score:</a:t>
+            </a:r>
+            <a:endParaRPr lang="en-SG" sz="1051" dirty="0">
+              <a:latin typeface="Calibri" panose="020F0502020204030204" pitchFamily="34" charset="0"/>
+              <a:ea typeface="Calibri" panose="020F0502020204030204" pitchFamily="34" charset="0"/>
+              <a:cs typeface="Times New Roman" panose="02020603050405020304" pitchFamily="18" charset="0"/>
+            </a:endParaRPr>
+          </a:p>
+          <a:p>
+            <a:pPr>
+              <a:lnSpc>
+                <a:spcPct val="107000"/>
+              </a:lnSpc>
+              <a:spcAft>
+                <a:spcPts val="800"/>
+              </a:spcAft>
+            </a:pPr>
+            <a:r>
+              <a:rPr lang="en-SG" sz="1600" dirty="0">
+                <a:latin typeface="Calibri" panose="020F0502020204030204" pitchFamily="34" charset="0"/>
+                <a:ea typeface="Calibri" panose="020F0502020204030204" pitchFamily="34" charset="0"/>
+                <a:cs typeface="Times New Roman" panose="02020603050405020304" pitchFamily="18" charset="0"/>
+              </a:rPr>
+              <a:t> </a:t>
+            </a:r>
+            <a:r>
+              <a:rPr lang="en-SG" sz="1100" dirty="0">
+                <a:latin typeface="Calibri" panose="020F0502020204030204" pitchFamily="34" charset="0"/>
+                <a:ea typeface="Calibri" panose="020F0502020204030204" pitchFamily="34" charset="0"/>
+                <a:cs typeface="Times New Roman" panose="02020603050405020304" pitchFamily="18" charset="0"/>
+              </a:rPr>
+              <a:t>*This </a:t>
+            </a:r>
+            <a:r>
+              <a:rPr lang="en-SG" sz="1100" dirty="0" err="1">
+                <a:latin typeface="Calibri" panose="020F0502020204030204" pitchFamily="34" charset="0"/>
+                <a:ea typeface="Calibri" panose="020F0502020204030204" pitchFamily="34" charset="0"/>
+                <a:cs typeface="Times New Roman" panose="02020603050405020304" pitchFamily="18" charset="0"/>
+              </a:rPr>
+              <a:t>Div</a:t>
+            </a:r>
+            <a:r>
+              <a:rPr lang="en-SG" sz="1100" dirty="0">
+                <a:latin typeface="Calibri" panose="020F0502020204030204" pitchFamily="34" charset="0"/>
+                <a:ea typeface="Calibri" panose="020F0502020204030204" pitchFamily="34" charset="0"/>
+                <a:cs typeface="Times New Roman" panose="02020603050405020304" pitchFamily="18" charset="0"/>
+              </a:rPr>
+              <a:t> Will Have no border</a:t>
+            </a:r>
+            <a:endParaRPr lang="en-SG" sz="1051" dirty="0">
+              <a:latin typeface="Calibri" panose="020F0502020204030204" pitchFamily="34" charset="0"/>
+              <a:ea typeface="Calibri" panose="020F0502020204030204" pitchFamily="34" charset="0"/>
+              <a:cs typeface="Times New Roman" panose="02020603050405020304" pitchFamily="18" charset="0"/>
+            </a:endParaRPr>
+          </a:p>
+        </p:txBody>
+      </p:sp>
+      <p:sp>
+        <p:nvSpPr>
+          <p:cNvPr id="13" name="Text Box 7"/>
+          <p:cNvSpPr txBox="1"/>
+          <p:nvPr/>
+        </p:nvSpPr>
+        <p:spPr>
+          <a:xfrm>
+            <a:off x="4889272" y="5023827"/>
+            <a:ext cx="2495551" cy="1206809"/>
+          </a:xfrm>
+          <a:prstGeom prst="rect">
+            <a:avLst/>
+          </a:prstGeom>
+          <a:solidFill>
+            <a:schemeClr val="lt1"/>
+          </a:solidFill>
+          <a:ln w="6350">
+            <a:solidFill>
+              <a:prstClr val="black"/>
+            </a:solidFill>
+          </a:ln>
+        </p:spPr>
+        <p:txBody>
+          <a:bodyPr rot="0" spcFirstLastPara="0" vert="horz" wrap="square" lIns="91440" tIns="45720" rIns="91440" bIns="45720" numCol="1" spcCol="0" rtlCol="0" fromWordArt="0" anchor="t" anchorCtr="0" forceAA="0" compatLnSpc="1">
+            <a:prstTxWarp prst="textNoShape">
+              <a:avLst/>
+            </a:prstTxWarp>
+            <a:noAutofit/>
+          </a:bodyPr>
+          <a:lstStyle/>
+          <a:p>
+            <a:pPr>
+              <a:lnSpc>
+                <a:spcPct val="107000"/>
+              </a:lnSpc>
+              <a:spcAft>
+                <a:spcPts val="800"/>
+              </a:spcAft>
+            </a:pPr>
+            <a:r>
+              <a:rPr lang="en-SG" sz="1600" dirty="0">
+                <a:latin typeface="Calibri" panose="020F0502020204030204" pitchFamily="34" charset="0"/>
+                <a:ea typeface="Calibri" panose="020F0502020204030204" pitchFamily="34" charset="0"/>
+                <a:cs typeface="Times New Roman" panose="02020603050405020304" pitchFamily="18" charset="0"/>
+              </a:rPr>
+              <a:t>Player 2 Vital Signs</a:t>
+            </a:r>
+            <a:r>
+              <a:rPr lang="en-SG" sz="1600" dirty="0">
+                <a:latin typeface="Calibri" panose="020F0502020204030204" pitchFamily="34" charset="0"/>
+                <a:ea typeface="Calibri" panose="020F0502020204030204" pitchFamily="34" charset="0"/>
+                <a:cs typeface="Times New Roman" panose="02020603050405020304" pitchFamily="18" charset="0"/>
+                <a:sym typeface="Wingdings" panose="05000000000000000000" pitchFamily="2" charset="2"/>
+              </a:rPr>
+              <a:t> (div)</a:t>
+            </a:r>
+            <a:endParaRPr lang="en-SG" sz="1051" dirty="0">
+              <a:latin typeface="Calibri" panose="020F0502020204030204" pitchFamily="34" charset="0"/>
+              <a:ea typeface="Calibri" panose="020F0502020204030204" pitchFamily="34" charset="0"/>
+              <a:cs typeface="Times New Roman" panose="02020603050405020304" pitchFamily="18" charset="0"/>
+            </a:endParaRPr>
+          </a:p>
+          <a:p>
+            <a:pPr>
+              <a:lnSpc>
+                <a:spcPct val="107000"/>
+              </a:lnSpc>
+              <a:spcAft>
+                <a:spcPts val="800"/>
+              </a:spcAft>
+            </a:pPr>
+            <a:r>
+              <a:rPr lang="en-SG" sz="1600" dirty="0" err="1">
+                <a:latin typeface="Calibri" panose="020F0502020204030204" pitchFamily="34" charset="0"/>
+                <a:ea typeface="Calibri" panose="020F0502020204030204" pitchFamily="34" charset="0"/>
+                <a:cs typeface="Times New Roman" panose="02020603050405020304" pitchFamily="18" charset="0"/>
+              </a:rPr>
+              <a:t>Qn</a:t>
+            </a:r>
+            <a:r>
+              <a:rPr lang="en-SG" sz="1600" dirty="0">
+                <a:latin typeface="Calibri" panose="020F0502020204030204" pitchFamily="34" charset="0"/>
+                <a:ea typeface="Calibri" panose="020F0502020204030204" pitchFamily="34" charset="0"/>
+                <a:cs typeface="Times New Roman" panose="02020603050405020304" pitchFamily="18" charset="0"/>
+              </a:rPr>
+              <a:t> no :</a:t>
+            </a:r>
+            <a:endParaRPr lang="en-SG" sz="1051" dirty="0">
+              <a:latin typeface="Calibri" panose="020F0502020204030204" pitchFamily="34" charset="0"/>
+              <a:ea typeface="Calibri" panose="020F0502020204030204" pitchFamily="34" charset="0"/>
+              <a:cs typeface="Times New Roman" panose="02020603050405020304" pitchFamily="18" charset="0"/>
+            </a:endParaRPr>
+          </a:p>
+          <a:p>
+            <a:pPr>
+              <a:lnSpc>
+                <a:spcPct val="107000"/>
+              </a:lnSpc>
+              <a:spcAft>
+                <a:spcPts val="800"/>
+              </a:spcAft>
+            </a:pPr>
+            <a:r>
+              <a:rPr lang="en-SG" sz="1600" dirty="0">
+                <a:latin typeface="Calibri" panose="020F0502020204030204" pitchFamily="34" charset="0"/>
+                <a:ea typeface="Calibri" panose="020F0502020204030204" pitchFamily="34" charset="0"/>
+                <a:cs typeface="Times New Roman" panose="02020603050405020304" pitchFamily="18" charset="0"/>
+              </a:rPr>
+              <a:t>Score:</a:t>
+            </a:r>
+            <a:endParaRPr lang="en-SG" sz="1051" dirty="0">
+              <a:latin typeface="Calibri" panose="020F0502020204030204" pitchFamily="34" charset="0"/>
+              <a:ea typeface="Calibri" panose="020F0502020204030204" pitchFamily="34" charset="0"/>
+              <a:cs typeface="Times New Roman" panose="02020603050405020304" pitchFamily="18" charset="0"/>
+            </a:endParaRPr>
+          </a:p>
+          <a:p>
+            <a:pPr>
+              <a:lnSpc>
+                <a:spcPct val="107000"/>
+              </a:lnSpc>
+              <a:spcAft>
+                <a:spcPts val="800"/>
+              </a:spcAft>
+            </a:pPr>
+            <a:r>
+              <a:rPr lang="en-SG" sz="1600" dirty="0">
+                <a:latin typeface="Calibri" panose="020F0502020204030204" pitchFamily="34" charset="0"/>
+                <a:ea typeface="Calibri" panose="020F0502020204030204" pitchFamily="34" charset="0"/>
+                <a:cs typeface="Times New Roman" panose="02020603050405020304" pitchFamily="18" charset="0"/>
+              </a:rPr>
+              <a:t> </a:t>
+            </a:r>
+            <a:r>
+              <a:rPr lang="en-SG" sz="1100" dirty="0">
+                <a:latin typeface="Calibri" panose="020F0502020204030204" pitchFamily="34" charset="0"/>
+                <a:ea typeface="Calibri" panose="020F0502020204030204" pitchFamily="34" charset="0"/>
+                <a:cs typeface="Times New Roman" panose="02020603050405020304" pitchFamily="18" charset="0"/>
+              </a:rPr>
+              <a:t>*This </a:t>
+            </a:r>
+            <a:r>
+              <a:rPr lang="en-SG" sz="1100" dirty="0" err="1">
+                <a:latin typeface="Calibri" panose="020F0502020204030204" pitchFamily="34" charset="0"/>
+                <a:ea typeface="Calibri" panose="020F0502020204030204" pitchFamily="34" charset="0"/>
+                <a:cs typeface="Times New Roman" panose="02020603050405020304" pitchFamily="18" charset="0"/>
+              </a:rPr>
+              <a:t>Div</a:t>
+            </a:r>
+            <a:r>
+              <a:rPr lang="en-SG" sz="1100" dirty="0">
+                <a:latin typeface="Calibri" panose="020F0502020204030204" pitchFamily="34" charset="0"/>
+                <a:ea typeface="Calibri" panose="020F0502020204030204" pitchFamily="34" charset="0"/>
+                <a:cs typeface="Times New Roman" panose="02020603050405020304" pitchFamily="18" charset="0"/>
+              </a:rPr>
+              <a:t> Will Have no border</a:t>
+            </a:r>
+            <a:endParaRPr lang="en-SG" sz="1051" dirty="0">
+              <a:latin typeface="Calibri" panose="020F0502020204030204" pitchFamily="34" charset="0"/>
+              <a:ea typeface="Calibri" panose="020F0502020204030204" pitchFamily="34" charset="0"/>
+              <a:cs typeface="Times New Roman" panose="02020603050405020304" pitchFamily="18" charset="0"/>
+            </a:endParaRPr>
+          </a:p>
+        </p:txBody>
+      </p:sp>
+      <p:sp>
+        <p:nvSpPr>
+          <p:cNvPr id="6" name="Rectangle 5"/>
+          <p:cNvSpPr/>
+          <p:nvPr/>
+        </p:nvSpPr>
+        <p:spPr>
+          <a:xfrm>
+            <a:off x="2853166" y="3486098"/>
+            <a:ext cx="983849" cy="376959"/>
+          </a:xfrm>
+          <a:prstGeom prst="rect">
+            <a:avLst/>
+          </a:prstGeom>
+          <a:solidFill>
+            <a:schemeClr val="bg1"/>
+          </a:solidFill>
+        </p:spPr>
+        <p:style>
+          <a:lnRef idx="2">
+            <a:schemeClr val="accent1">
+              <a:shade val="50000"/>
+            </a:schemeClr>
+          </a:lnRef>
+          <a:fillRef idx="1">
+            <a:schemeClr val="accent1"/>
+          </a:fillRef>
+          <a:effectRef idx="0">
+            <a:schemeClr val="accent1"/>
+          </a:effectRef>
+          <a:fontRef idx="minor">
+            <a:schemeClr val="lt1"/>
+          </a:fontRef>
+        </p:style>
+        <p:txBody>
+          <a:bodyPr rot="0" spcFirstLastPara="0" vertOverflow="overflow" horzOverflow="overflow" vert="horz" wrap="square" lIns="91440" tIns="45720" rIns="91440" bIns="45720" numCol="1" spcCol="0" rtlCol="0" fromWordArt="0" anchor="ctr" anchorCtr="0" forceAA="0" compatLnSpc="1">
+            <a:prstTxWarp prst="textNoShape">
+              <a:avLst/>
+            </a:prstTxWarp>
+            <a:noAutofit/>
+          </a:bodyPr>
+          <a:lstStyle/>
+          <a:p>
+            <a:pPr algn="ctr"/>
+            <a:r>
+              <a:rPr lang="en-SG" dirty="0">
+                <a:solidFill>
+                  <a:sysClr val="windowText" lastClr="000000"/>
+                </a:solidFill>
+              </a:rPr>
+              <a:t>a)</a:t>
+            </a:r>
+          </a:p>
+        </p:txBody>
+      </p:sp>
+      <p:sp>
+        <p:nvSpPr>
+          <p:cNvPr id="14" name="Rectangle 13"/>
+          <p:cNvSpPr/>
+          <p:nvPr/>
+        </p:nvSpPr>
+        <p:spPr>
+          <a:xfrm>
+            <a:off x="2853167" y="3899356"/>
+            <a:ext cx="983849" cy="376959"/>
+          </a:xfrm>
+          <a:prstGeom prst="rect">
+            <a:avLst/>
+          </a:prstGeom>
+          <a:solidFill>
+            <a:schemeClr val="bg1"/>
+          </a:solidFill>
+        </p:spPr>
+        <p:style>
+          <a:lnRef idx="2">
+            <a:schemeClr val="accent1">
+              <a:shade val="50000"/>
+            </a:schemeClr>
+          </a:lnRef>
+          <a:fillRef idx="1">
+            <a:schemeClr val="accent1"/>
+          </a:fillRef>
+          <a:effectRef idx="0">
+            <a:schemeClr val="accent1"/>
+          </a:effectRef>
+          <a:fontRef idx="minor">
+            <a:schemeClr val="lt1"/>
+          </a:fontRef>
+        </p:style>
+        <p:txBody>
+          <a:bodyPr rot="0" spcFirstLastPara="0" vertOverflow="overflow" horzOverflow="overflow" vert="horz" wrap="square" lIns="91440" tIns="45720" rIns="91440" bIns="45720" numCol="1" spcCol="0" rtlCol="0" fromWordArt="0" anchor="ctr" anchorCtr="0" forceAA="0" compatLnSpc="1">
+            <a:prstTxWarp prst="textNoShape">
+              <a:avLst/>
+            </a:prstTxWarp>
+            <a:noAutofit/>
+          </a:bodyPr>
+          <a:lstStyle/>
+          <a:p>
+            <a:pPr algn="ctr"/>
+            <a:r>
+              <a:rPr lang="en-SG" dirty="0">
+                <a:solidFill>
+                  <a:sysClr val="windowText" lastClr="000000"/>
+                </a:solidFill>
+              </a:rPr>
+              <a:t>b)</a:t>
+            </a:r>
+          </a:p>
+        </p:txBody>
+      </p:sp>
+      <p:cxnSp>
+        <p:nvCxnSpPr>
+          <p:cNvPr id="16" name="Straight Arrow Connector 15"/>
+          <p:cNvCxnSpPr/>
+          <p:nvPr/>
+        </p:nvCxnSpPr>
+        <p:spPr>
+          <a:xfrm>
+            <a:off x="3975906" y="3486095"/>
+            <a:ext cx="5787" cy="783812"/>
+          </a:xfrm>
+          <a:prstGeom prst="straightConnector1">
+            <a:avLst/>
+          </a:prstGeom>
+          <a:ln>
+            <a:headEnd type="triangle"/>
+            <a:tailEnd type="triangle"/>
+          </a:ln>
+        </p:spPr>
+        <p:style>
+          <a:lnRef idx="1">
+            <a:schemeClr val="dk1"/>
+          </a:lnRef>
+          <a:fillRef idx="0">
+            <a:schemeClr val="dk1"/>
+          </a:fillRef>
+          <a:effectRef idx="0">
+            <a:schemeClr val="dk1"/>
+          </a:effectRef>
+          <a:fontRef idx="minor">
+            <a:schemeClr val="tx1"/>
+          </a:fontRef>
+        </p:style>
+      </p:cxnSp>
+      <p:cxnSp>
+        <p:nvCxnSpPr>
+          <p:cNvPr id="18" name="Straight Arrow Connector 17"/>
+          <p:cNvCxnSpPr>
+            <a:endCxn id="11" idx="1"/>
+          </p:cNvCxnSpPr>
+          <p:nvPr/>
+        </p:nvCxnSpPr>
+        <p:spPr>
+          <a:xfrm>
+            <a:off x="4751416" y="4573823"/>
+            <a:ext cx="436943" cy="0"/>
+          </a:xfrm>
+          <a:prstGeom prst="straightConnector1">
+            <a:avLst/>
+          </a:prstGeom>
+          <a:ln>
+            <a:tailEnd type="triangle"/>
+          </a:ln>
+        </p:spPr>
+        <p:style>
+          <a:lnRef idx="1">
+            <a:schemeClr val="dk1"/>
+          </a:lnRef>
+          <a:fillRef idx="0">
+            <a:schemeClr val="dk1"/>
+          </a:fillRef>
+          <a:effectRef idx="0">
+            <a:schemeClr val="dk1"/>
+          </a:effectRef>
+          <a:fontRef idx="minor">
+            <a:schemeClr val="tx1"/>
+          </a:fontRef>
+        </p:style>
+      </p:cxnSp>
+      <p:cxnSp>
+        <p:nvCxnSpPr>
+          <p:cNvPr id="20" name="Straight Arrow Connector 19"/>
+          <p:cNvCxnSpPr>
+            <a:endCxn id="10" idx="3"/>
+          </p:cNvCxnSpPr>
+          <p:nvPr/>
+        </p:nvCxnSpPr>
+        <p:spPr>
+          <a:xfrm flipH="1">
+            <a:off x="3756451" y="4573823"/>
+            <a:ext cx="613001" cy="0"/>
+          </a:xfrm>
+          <a:prstGeom prst="straightConnector1">
+            <a:avLst/>
+          </a:prstGeom>
+          <a:ln>
+            <a:tailEnd type="triangle"/>
+          </a:ln>
+        </p:spPr>
+        <p:style>
+          <a:lnRef idx="1">
+            <a:schemeClr val="dk1"/>
+          </a:lnRef>
+          <a:fillRef idx="0">
+            <a:schemeClr val="dk1"/>
+          </a:fillRef>
+          <a:effectRef idx="0">
+            <a:schemeClr val="dk1"/>
+          </a:effectRef>
+          <a:fontRef idx="minor">
+            <a:schemeClr val="tx1"/>
+          </a:fontRef>
+        </p:style>
+      </p:cxnSp>
+      <p:cxnSp>
+        <p:nvCxnSpPr>
+          <p:cNvPr id="22" name="Straight Arrow Connector 21"/>
+          <p:cNvCxnSpPr/>
+          <p:nvPr/>
+        </p:nvCxnSpPr>
+        <p:spPr>
+          <a:xfrm flipH="1">
+            <a:off x="6506256" y="446758"/>
+            <a:ext cx="646901" cy="483379"/>
+          </a:xfrm>
+          <a:prstGeom prst="straightConnector1">
+            <a:avLst/>
+          </a:prstGeom>
+          <a:ln>
+            <a:tailEnd type="triangle"/>
+          </a:ln>
+        </p:spPr>
+        <p:style>
+          <a:lnRef idx="1">
+            <a:schemeClr val="dk1"/>
+          </a:lnRef>
+          <a:fillRef idx="0">
+            <a:schemeClr val="dk1"/>
+          </a:fillRef>
+          <a:effectRef idx="0">
+            <a:schemeClr val="dk1"/>
+          </a:effectRef>
+          <a:fontRef idx="minor">
+            <a:schemeClr val="tx1"/>
+          </a:fontRef>
+        </p:style>
+      </p:cxnSp>
+      <p:sp>
+        <p:nvSpPr>
+          <p:cNvPr id="25" name="TextBox 24"/>
+          <p:cNvSpPr txBox="1"/>
+          <p:nvPr/>
+        </p:nvSpPr>
+        <p:spPr>
+          <a:xfrm>
+            <a:off x="7239974" y="351554"/>
+            <a:ext cx="1637817" cy="369332"/>
+          </a:xfrm>
+          <a:prstGeom prst="rect">
+            <a:avLst/>
+          </a:prstGeom>
+          <a:noFill/>
+        </p:spPr>
+        <p:txBody>
+          <a:bodyPr wrap="square" rtlCol="0">
+            <a:spAutoFit/>
+          </a:bodyPr>
+          <a:lstStyle/>
+          <a:p>
             <a:r>
               <a:rPr lang="en-SG" dirty="0"/>
-              <a:t>1.Created HTML based on wireframe in previous slide.</a:t>
-            </a:r>
-          </a:p>
+              <a:t>Container div</a:t>
+            </a:r>
+          </a:p>
+        </p:txBody>
+      </p:sp>
+      <p:sp>
+        <p:nvSpPr>
+          <p:cNvPr id="26" name="TextBox 25"/>
+          <p:cNvSpPr txBox="1"/>
+          <p:nvPr/>
+        </p:nvSpPr>
+        <p:spPr>
+          <a:xfrm>
+            <a:off x="3345091" y="2747865"/>
+            <a:ext cx="2685462" cy="369332"/>
+          </a:xfrm>
+          <a:prstGeom prst="rect">
+            <a:avLst/>
+          </a:prstGeom>
+          <a:noFill/>
+        </p:spPr>
+        <p:txBody>
+          <a:bodyPr wrap="square" rtlCol="0">
+            <a:spAutoFit/>
+          </a:bodyPr>
+          <a:lstStyle/>
           <a:p>
             <a:r>
               <a:rPr lang="en-SG" dirty="0"/>
-              <a:t>2. Developed CSS in line with project needs</a:t>
-            </a:r>
-          </a:p>
-          <a:p>
-            <a:r>
-              <a:rPr lang="en-SG" dirty="0"/>
-              <a:t>3.Jquery to make the quiz interactive</a:t>
-            </a:r>
-          </a:p>
-          <a:p>
-            <a:endParaRPr lang="en-SG" dirty="0"/>
+              <a:t>Player Turn displayed here</a:t>
+            </a:r>
           </a:p>
         </p:txBody>
       </p:sp>
     </p:spTree>
     <p:extLst>
       <p:ext uri="{BB962C8B-B14F-4D97-AF65-F5344CB8AC3E}">
-        <p14:creationId xmlns:p14="http://schemas.microsoft.com/office/powerpoint/2010/main" val="3630369441"/>
+        <p14:creationId xmlns:p14="http://schemas.microsoft.com/office/powerpoint/2010/main" val="939350868"/>
       </p:ext>
     </p:extLst>
   </p:cSld>
@@ -4322,119 +5372,1516 @@
             <a:spLocks noGrp="1"/>
           </p:cNvSpPr>
           <p:nvPr>
-            <p:ph type="title"/>
-          </p:nvPr>
-        </p:nvSpPr>
-        <p:spPr/>
-        <p:txBody>
-          <a:bodyPr/>
+            <p:ph type="ctrTitle"/>
+          </p:nvPr>
+        </p:nvSpPr>
+        <p:spPr>
+          <a:xfrm>
+            <a:off x="766823" y="381584"/>
+            <a:ext cx="7772400" cy="908995"/>
+          </a:xfrm>
+        </p:spPr>
+        <p:txBody>
+          <a:bodyPr>
+            <a:normAutofit fontScale="90000"/>
+          </a:bodyPr>
+          <a:lstStyle/>
+          <a:p>
+            <a:r>
+              <a:rPr lang="en-SG" b="1" dirty="0"/>
+              <a:t>Code Organisation</a:t>
+            </a:r>
+          </a:p>
+        </p:txBody>
+      </p:sp>
+      <p:sp>
+        <p:nvSpPr>
+          <p:cNvPr id="5" name="TextBox 4"/>
+          <p:cNvSpPr txBox="1"/>
+          <p:nvPr/>
+        </p:nvSpPr>
+        <p:spPr>
+          <a:xfrm>
+            <a:off x="1131432" y="1238494"/>
+            <a:ext cx="7407799" cy="1292662"/>
+          </a:xfrm>
+          <a:prstGeom prst="rect">
+            <a:avLst/>
+          </a:prstGeom>
+          <a:noFill/>
+        </p:spPr>
+        <p:txBody>
+          <a:bodyPr wrap="square" rtlCol="0">
+            <a:spAutoFit/>
+          </a:bodyPr>
+          <a:lstStyle/>
+          <a:p>
+            <a:r>
+              <a:rPr lang="en-SG" sz="2000" dirty="0"/>
+              <a:t>1.Created HTML based on wireframe in previous slide.</a:t>
+            </a:r>
+          </a:p>
+          <a:p>
+            <a:r>
+              <a:rPr lang="en-SG" sz="2000" dirty="0"/>
+              <a:t>2. Developed CSS in line with project needs</a:t>
+            </a:r>
+          </a:p>
+          <a:p>
+            <a:r>
+              <a:rPr lang="en-SG" sz="2000" dirty="0"/>
+              <a:t>3.Jquery to make the quiz interactive</a:t>
+            </a:r>
+          </a:p>
+          <a:p>
+            <a:endParaRPr lang="en-SG" dirty="0"/>
+          </a:p>
+        </p:txBody>
+      </p:sp>
+      <p:sp>
+        <p:nvSpPr>
+          <p:cNvPr id="3" name="TextBox 2"/>
+          <p:cNvSpPr txBox="1"/>
+          <p:nvPr/>
+        </p:nvSpPr>
+        <p:spPr>
+          <a:xfrm>
+            <a:off x="2725838" y="2558005"/>
+            <a:ext cx="3674963" cy="369332"/>
+          </a:xfrm>
+          <a:prstGeom prst="rect">
+            <a:avLst/>
+          </a:prstGeom>
+          <a:noFill/>
+          <a:ln>
+            <a:solidFill>
+              <a:schemeClr val="tx1"/>
+            </a:solidFill>
+          </a:ln>
+        </p:spPr>
+        <p:txBody>
+          <a:bodyPr wrap="square" rtlCol="0">
+            <a:spAutoFit/>
+          </a:bodyPr>
           <a:lstStyle/>
           <a:p>
             <a:pPr algn="ctr"/>
             <a:r>
-              <a:rPr lang="en-SG" b="1" dirty="0"/>
-              <a:t>Difficulties Faced</a:t>
-            </a:r>
-          </a:p>
-        </p:txBody>
-      </p:sp>
-      <p:sp>
-        <p:nvSpPr>
-          <p:cNvPr id="3" name="Content Placeholder 2"/>
-          <p:cNvSpPr>
-            <a:spLocks noGrp="1"/>
-          </p:cNvSpPr>
-          <p:nvPr>
-            <p:ph idx="1"/>
-          </p:nvPr>
-        </p:nvSpPr>
-        <p:spPr/>
-        <p:txBody>
-          <a:bodyPr/>
-          <a:lstStyle/>
-          <a:p>
-            <a:pPr marL="514350" indent="-514350">
-              <a:buAutoNum type="arabicPeriod"/>
-            </a:pPr>
-            <a:r>
               <a:rPr lang="en-SG" dirty="0"/>
-              <a:t>Knowledge of concepts still very weak</a:t>
-            </a:r>
-          </a:p>
-          <a:p>
-            <a:pPr marL="514350" indent="-514350">
-              <a:buAutoNum type="arabicPeriod"/>
-            </a:pPr>
+              <a:t>HTML </a:t>
+            </a:r>
+          </a:p>
+        </p:txBody>
+      </p:sp>
+      <p:cxnSp>
+        <p:nvCxnSpPr>
+          <p:cNvPr id="6" name="Straight Arrow Connector 5"/>
+          <p:cNvCxnSpPr>
+            <a:stCxn id="3" idx="1"/>
+          </p:cNvCxnSpPr>
+          <p:nvPr/>
+        </p:nvCxnSpPr>
+        <p:spPr>
+          <a:xfrm flipH="1">
+            <a:off x="1562589" y="2742671"/>
+            <a:ext cx="1163248" cy="602420"/>
+          </a:xfrm>
+          <a:prstGeom prst="straightConnector1">
+            <a:avLst/>
+          </a:prstGeom>
+          <a:ln>
+            <a:tailEnd type="triangle"/>
+          </a:ln>
+        </p:spPr>
+        <p:style>
+          <a:lnRef idx="1">
+            <a:schemeClr val="dk1"/>
+          </a:lnRef>
+          <a:fillRef idx="0">
+            <a:schemeClr val="dk1"/>
+          </a:fillRef>
+          <a:effectRef idx="0">
+            <a:schemeClr val="dk1"/>
+          </a:effectRef>
+          <a:fontRef idx="minor">
+            <a:schemeClr val="tx1"/>
+          </a:fontRef>
+        </p:style>
+      </p:cxnSp>
+      <p:sp>
+        <p:nvSpPr>
+          <p:cNvPr id="7" name="TextBox 6"/>
+          <p:cNvSpPr txBox="1"/>
+          <p:nvPr/>
+        </p:nvSpPr>
+        <p:spPr>
+          <a:xfrm>
+            <a:off x="833383" y="3443468"/>
+            <a:ext cx="1655180" cy="369332"/>
+          </a:xfrm>
+          <a:prstGeom prst="rect">
+            <a:avLst/>
+          </a:prstGeom>
+          <a:noFill/>
+          <a:ln>
+            <a:solidFill>
+              <a:schemeClr val="tx1"/>
+            </a:solidFill>
+          </a:ln>
+        </p:spPr>
+        <p:txBody>
+          <a:bodyPr wrap="square" rtlCol="0">
+            <a:spAutoFit/>
+          </a:bodyPr>
+          <a:lstStyle/>
+          <a:p>
+            <a:pPr algn="ctr"/>
             <a:r>
               <a:rPr lang="en-SG" dirty="0"/>
-              <a:t>Getting the </a:t>
-            </a:r>
-            <a:r>
-              <a:rPr lang="en-SG" dirty="0" err="1"/>
-              <a:t>jquery</a:t>
-            </a:r>
+              <a:t>CSS</a:t>
+            </a:r>
+          </a:p>
+        </p:txBody>
+      </p:sp>
+      <p:cxnSp>
+        <p:nvCxnSpPr>
+          <p:cNvPr id="9" name="Straight Arrow Connector 8"/>
+          <p:cNvCxnSpPr>
+            <a:stCxn id="3" idx="3"/>
+          </p:cNvCxnSpPr>
+          <p:nvPr/>
+        </p:nvCxnSpPr>
+        <p:spPr>
+          <a:xfrm>
+            <a:off x="6400800" y="2742671"/>
+            <a:ext cx="1030154" cy="602420"/>
+          </a:xfrm>
+          <a:prstGeom prst="straightConnector1">
+            <a:avLst/>
+          </a:prstGeom>
+          <a:ln>
+            <a:tailEnd type="triangle"/>
+          </a:ln>
+        </p:spPr>
+        <p:style>
+          <a:lnRef idx="1">
+            <a:schemeClr val="dk1"/>
+          </a:lnRef>
+          <a:fillRef idx="0">
+            <a:schemeClr val="dk1"/>
+          </a:fillRef>
+          <a:effectRef idx="0">
+            <a:schemeClr val="dk1"/>
+          </a:effectRef>
+          <a:fontRef idx="minor">
+            <a:schemeClr val="tx1"/>
+          </a:fontRef>
+        </p:style>
+      </p:cxnSp>
+      <p:sp>
+        <p:nvSpPr>
+          <p:cNvPr id="10" name="TextBox 9"/>
+          <p:cNvSpPr txBox="1"/>
+          <p:nvPr/>
+        </p:nvSpPr>
+        <p:spPr>
+          <a:xfrm>
+            <a:off x="6504975" y="3443468"/>
+            <a:ext cx="2141317" cy="369332"/>
+          </a:xfrm>
+          <a:prstGeom prst="rect">
+            <a:avLst/>
+          </a:prstGeom>
+          <a:noFill/>
+          <a:ln>
+            <a:solidFill>
+              <a:schemeClr val="tx1"/>
+            </a:solidFill>
+          </a:ln>
+        </p:spPr>
+        <p:txBody>
+          <a:bodyPr wrap="square" rtlCol="0">
+            <a:spAutoFit/>
+          </a:bodyPr>
+          <a:lstStyle/>
+          <a:p>
             <a:r>
               <a:rPr lang="en-SG" dirty="0"/>
-              <a:t> right</a:t>
-            </a:r>
-          </a:p>
-          <a:p>
-            <a:pPr marL="514350" indent="-514350">
-              <a:buAutoNum type="arabicPeriod"/>
-            </a:pPr>
+              <a:t>J-Query </a:t>
+            </a:r>
+          </a:p>
+        </p:txBody>
+      </p:sp>
+      <p:cxnSp>
+        <p:nvCxnSpPr>
+          <p:cNvPr id="12" name="Straight Arrow Connector 11"/>
+          <p:cNvCxnSpPr/>
+          <p:nvPr/>
+        </p:nvCxnSpPr>
+        <p:spPr>
+          <a:xfrm flipH="1" flipV="1">
+            <a:off x="5966749" y="3032575"/>
+            <a:ext cx="387752" cy="780233"/>
+          </a:xfrm>
+          <a:prstGeom prst="straightConnector1">
+            <a:avLst/>
+          </a:prstGeom>
+          <a:ln>
+            <a:tailEnd type="triangle"/>
+          </a:ln>
+        </p:spPr>
+        <p:style>
+          <a:lnRef idx="1">
+            <a:schemeClr val="accent1"/>
+          </a:lnRef>
+          <a:fillRef idx="0">
+            <a:schemeClr val="accent1"/>
+          </a:fillRef>
+          <a:effectRef idx="0">
+            <a:schemeClr val="accent1"/>
+          </a:effectRef>
+          <a:fontRef idx="minor">
+            <a:schemeClr val="tx1"/>
+          </a:fontRef>
+        </p:style>
+      </p:cxnSp>
+      <p:sp>
+        <p:nvSpPr>
+          <p:cNvPr id="13" name="TextBox 12"/>
+          <p:cNvSpPr txBox="1"/>
+          <p:nvPr/>
+        </p:nvSpPr>
+        <p:spPr>
+          <a:xfrm>
+            <a:off x="4653030" y="3351135"/>
+            <a:ext cx="1035935" cy="369332"/>
+          </a:xfrm>
+          <a:prstGeom prst="rect">
+            <a:avLst/>
+          </a:prstGeom>
+          <a:noFill/>
+        </p:spPr>
+        <p:txBody>
+          <a:bodyPr wrap="square" rtlCol="0">
+            <a:spAutoFit/>
+          </a:bodyPr>
+          <a:lstStyle/>
+          <a:p>
             <a:r>
               <a:rPr lang="en-SG" dirty="0"/>
-              <a:t>Late Nights</a:t>
-            </a:r>
-          </a:p>
-          <a:p>
-            <a:pPr marL="514350" indent="-514350">
-              <a:buAutoNum type="arabicPeriod"/>
-            </a:pPr>
+              <a:t>Controls </a:t>
+            </a:r>
+          </a:p>
+        </p:txBody>
+      </p:sp>
+      <p:cxnSp>
+        <p:nvCxnSpPr>
+          <p:cNvPr id="15" name="Straight Arrow Connector 14"/>
+          <p:cNvCxnSpPr/>
+          <p:nvPr/>
+        </p:nvCxnSpPr>
+        <p:spPr>
+          <a:xfrm flipH="1" flipV="1">
+            <a:off x="2783718" y="3628134"/>
+            <a:ext cx="3570791" cy="184667"/>
+          </a:xfrm>
+          <a:prstGeom prst="straightConnector1">
+            <a:avLst/>
+          </a:prstGeom>
+          <a:ln>
+            <a:tailEnd type="triangle"/>
+          </a:ln>
+        </p:spPr>
+        <p:style>
+          <a:lnRef idx="1">
+            <a:schemeClr val="accent1"/>
+          </a:lnRef>
+          <a:fillRef idx="0">
+            <a:schemeClr val="accent1"/>
+          </a:fillRef>
+          <a:effectRef idx="0">
+            <a:schemeClr val="accent1"/>
+          </a:effectRef>
+          <a:fontRef idx="minor">
+            <a:schemeClr val="tx1"/>
+          </a:fontRef>
+        </p:style>
+      </p:cxnSp>
+      <p:sp>
+        <p:nvSpPr>
+          <p:cNvPr id="16" name="TextBox 15"/>
+          <p:cNvSpPr txBox="1"/>
+          <p:nvPr/>
+        </p:nvSpPr>
+        <p:spPr>
+          <a:xfrm>
+            <a:off x="1284799" y="2663235"/>
+            <a:ext cx="1203767" cy="369332"/>
+          </a:xfrm>
+          <a:prstGeom prst="rect">
+            <a:avLst/>
+          </a:prstGeom>
+          <a:noFill/>
+        </p:spPr>
+        <p:txBody>
+          <a:bodyPr wrap="square" rtlCol="0">
+            <a:spAutoFit/>
+          </a:bodyPr>
+          <a:lstStyle/>
+          <a:p>
             <a:r>
               <a:rPr lang="en-SG" dirty="0"/>
-              <a:t>Creating a back button</a:t>
-            </a:r>
-          </a:p>
-          <a:p>
-            <a:pPr marL="514350" indent="-514350">
-              <a:buAutoNum type="arabicPeriod"/>
-            </a:pPr>
+              <a:t>Relies on</a:t>
+            </a:r>
+          </a:p>
+        </p:txBody>
+      </p:sp>
+      <p:sp>
+        <p:nvSpPr>
+          <p:cNvPr id="17" name="TextBox 16"/>
+          <p:cNvSpPr txBox="1"/>
+          <p:nvPr/>
+        </p:nvSpPr>
+        <p:spPr>
+          <a:xfrm>
+            <a:off x="6915882" y="2732154"/>
+            <a:ext cx="1203767" cy="369332"/>
+          </a:xfrm>
+          <a:prstGeom prst="rect">
+            <a:avLst/>
+          </a:prstGeom>
+          <a:noFill/>
+        </p:spPr>
+        <p:txBody>
+          <a:bodyPr wrap="square" rtlCol="0">
+            <a:spAutoFit/>
+          </a:bodyPr>
+          <a:lstStyle/>
+          <a:p>
             <a:r>
               <a:rPr lang="en-SG" dirty="0"/>
-              <a:t>Creating more choices for questions</a:t>
-            </a:r>
-          </a:p>
-          <a:p>
-            <a:pPr marL="514350" indent="-514350">
-              <a:buAutoNum type="arabicPeriod"/>
-            </a:pPr>
-            <a:r>
-              <a:rPr lang="en-SG" dirty="0"/>
-              <a:t>Running the entire project in JS.</a:t>
-            </a:r>
-          </a:p>
-          <a:p>
-            <a:pPr marL="514350" indent="-514350">
-              <a:buAutoNum type="arabicPeriod"/>
-            </a:pPr>
-            <a:r>
-              <a:rPr lang="en-SG" dirty="0"/>
-              <a:t>Creating the required 10 questions in the timeframe.</a:t>
-            </a:r>
-          </a:p>
-          <a:p>
-            <a:pPr marL="514350" indent="-514350">
-              <a:buAutoNum type="arabicPeriod"/>
-            </a:pPr>
-            <a:endParaRPr lang="en-SG" dirty="0"/>
+              <a:t>Relies on</a:t>
+            </a:r>
           </a:p>
         </p:txBody>
       </p:sp>
     </p:spTree>
     <p:extLst>
       <p:ext uri="{BB962C8B-B14F-4D97-AF65-F5344CB8AC3E}">
-        <p14:creationId xmlns:p14="http://schemas.microsoft.com/office/powerpoint/2010/main" val="1511496257"/>
+        <p14:creationId xmlns:p14="http://schemas.microsoft.com/office/powerpoint/2010/main" val="3630369441"/>
+      </p:ext>
+    </p:extLst>
+  </p:cSld>
+  <p:clrMapOvr>
+    <a:masterClrMapping/>
+  </p:clrMapOvr>
+</p:sld>
+</file>
+
+<file path=ppt/slides/slide8.xml><?xml version="1.0" encoding="utf-8"?>
+<p:sld xmlns:a="http://schemas.openxmlformats.org/drawingml/2006/main" xmlns:r="http://schemas.openxmlformats.org/officeDocument/2006/relationships" xmlns:p="http://schemas.openxmlformats.org/presentationml/2006/main">
+  <p:cSld>
+    <p:spTree>
+      <p:nvGrpSpPr>
+        <p:cNvPr id="1" name=""/>
+        <p:cNvGrpSpPr/>
+        <p:nvPr/>
+      </p:nvGrpSpPr>
+      <p:grpSpPr>
+        <a:xfrm>
+          <a:off x="0" y="0"/>
+          <a:ext cx="0" cy="0"/>
+          <a:chOff x="0" y="0"/>
+          <a:chExt cx="0" cy="0"/>
+        </a:xfrm>
+      </p:grpSpPr>
+      <p:sp>
+        <p:nvSpPr>
+          <p:cNvPr id="2" name="Title 1"/>
+          <p:cNvSpPr>
+            <a:spLocks noGrp="1"/>
+          </p:cNvSpPr>
+          <p:nvPr>
+            <p:ph type="title"/>
+          </p:nvPr>
+        </p:nvSpPr>
+        <p:spPr>
+          <a:xfrm>
+            <a:off x="628657" y="365134"/>
+            <a:ext cx="7886700" cy="832855"/>
+          </a:xfrm>
+        </p:spPr>
+        <p:txBody>
+          <a:bodyPr>
+            <a:normAutofit/>
+          </a:bodyPr>
+          <a:lstStyle/>
+          <a:p>
+            <a:pPr algn="ctr"/>
+            <a:r>
+              <a:rPr lang="en-SG" sz="5400" b="1" dirty="0"/>
+              <a:t>Code Structure </a:t>
+            </a:r>
+          </a:p>
+        </p:txBody>
+      </p:sp>
+      <p:graphicFrame>
+        <p:nvGraphicFramePr>
+          <p:cNvPr id="5" name="Table 4"/>
+          <p:cNvGraphicFramePr>
+            <a:graphicFrameLocks noGrp="1"/>
+          </p:cNvGraphicFramePr>
+          <p:nvPr>
+            <p:extLst>
+              <p:ext uri="{D42A27DB-BD31-4B8C-83A1-F6EECF244321}">
+                <p14:modId xmlns:p14="http://schemas.microsoft.com/office/powerpoint/2010/main" val="1680132383"/>
+              </p:ext>
+            </p:extLst>
+          </p:nvPr>
+        </p:nvGraphicFramePr>
+        <p:xfrm>
+          <a:off x="968656" y="1275277"/>
+          <a:ext cx="7546701" cy="5274154"/>
+        </p:xfrm>
+        <a:graphic>
+          <a:graphicData uri="http://schemas.openxmlformats.org/drawingml/2006/table">
+            <a:tbl>
+              <a:tblPr firstRow="1" bandRow="1">
+                <a:tableStyleId>{5C22544A-7EE6-4342-B048-85BDC9FD1C3A}</a:tableStyleId>
+              </a:tblPr>
+              <a:tblGrid>
+                <a:gridCol w="2515567">
+                  <a:extLst>
+                    <a:ext uri="{9D8B030D-6E8A-4147-A177-3AD203B41FA5}">
+                      <a16:colId xmlns:a16="http://schemas.microsoft.com/office/drawing/2014/main" val="2111670219"/>
+                    </a:ext>
+                  </a:extLst>
+                </a:gridCol>
+                <a:gridCol w="2515567">
+                  <a:extLst>
+                    <a:ext uri="{9D8B030D-6E8A-4147-A177-3AD203B41FA5}">
+                      <a16:colId xmlns:a16="http://schemas.microsoft.com/office/drawing/2014/main" val="2536365951"/>
+                    </a:ext>
+                  </a:extLst>
+                </a:gridCol>
+                <a:gridCol w="2515567">
+                  <a:extLst>
+                    <a:ext uri="{9D8B030D-6E8A-4147-A177-3AD203B41FA5}">
+                      <a16:colId xmlns:a16="http://schemas.microsoft.com/office/drawing/2014/main" val="1426356714"/>
+                    </a:ext>
+                  </a:extLst>
+                </a:gridCol>
+              </a:tblGrid>
+              <a:tr h="302047">
+                <a:tc>
+                  <a:txBody>
+                    <a:bodyPr/>
+                    <a:lstStyle/>
+                    <a:p>
+                      <a:pPr algn="ctr"/>
+                      <a:r>
+                        <a:rPr lang="en-SG" sz="1900" dirty="0">
+                          <a:solidFill>
+                            <a:schemeClr val="tx1"/>
+                          </a:solidFill>
+                        </a:rPr>
+                        <a:t>HTML</a:t>
+                      </a:r>
+                    </a:p>
+                  </a:txBody>
+                  <a:tcPr>
+                    <a:lnL w="12700" cap="flat" cmpd="sng" algn="ctr">
+                      <a:solidFill>
+                        <a:schemeClr val="tx1"/>
+                      </a:solidFill>
+                      <a:prstDash val="solid"/>
+                      <a:round/>
+                      <a:headEnd type="none" w="med" len="med"/>
+                      <a:tailEnd type="none" w="med" len="med"/>
+                    </a:lnL>
+                    <a:lnR w="12700" cap="flat" cmpd="sng" algn="ctr">
+                      <a:solidFill>
+                        <a:schemeClr val="tx1"/>
+                      </a:solidFill>
+                      <a:prstDash val="solid"/>
+                      <a:round/>
+                      <a:headEnd type="none" w="med" len="med"/>
+                      <a:tailEnd type="none" w="med" len="med"/>
+                    </a:lnR>
+                    <a:lnT w="12700" cap="flat" cmpd="sng" algn="ctr">
+                      <a:solidFill>
+                        <a:schemeClr val="tx1"/>
+                      </a:solidFill>
+                      <a:prstDash val="solid"/>
+                      <a:round/>
+                      <a:headEnd type="none" w="med" len="med"/>
+                      <a:tailEnd type="none" w="med" len="med"/>
+                    </a:lnT>
+                    <a:lnB w="12700" cap="flat" cmpd="sng" algn="ctr">
+                      <a:solidFill>
+                        <a:schemeClr val="tx1"/>
+                      </a:solidFill>
+                      <a:prstDash val="solid"/>
+                      <a:round/>
+                      <a:headEnd type="none" w="med" len="med"/>
+                      <a:tailEnd type="none" w="med" len="med"/>
+                    </a:lnB>
+                    <a:solidFill>
+                      <a:schemeClr val="bg2"/>
+                    </a:solidFill>
+                  </a:tcPr>
+                </a:tc>
+                <a:tc>
+                  <a:txBody>
+                    <a:bodyPr/>
+                    <a:lstStyle/>
+                    <a:p>
+                      <a:pPr algn="ctr"/>
+                      <a:r>
+                        <a:rPr lang="en-SG" sz="1900" dirty="0">
+                          <a:solidFill>
+                            <a:schemeClr val="tx1"/>
+                          </a:solidFill>
+                        </a:rPr>
+                        <a:t>CSS</a:t>
+                      </a:r>
+                    </a:p>
+                  </a:txBody>
+                  <a:tcPr>
+                    <a:lnL w="12700" cap="flat" cmpd="sng" algn="ctr">
+                      <a:solidFill>
+                        <a:schemeClr val="tx1"/>
+                      </a:solidFill>
+                      <a:prstDash val="solid"/>
+                      <a:round/>
+                      <a:headEnd type="none" w="med" len="med"/>
+                      <a:tailEnd type="none" w="med" len="med"/>
+                    </a:lnL>
+                    <a:lnR w="12700" cap="flat" cmpd="sng" algn="ctr">
+                      <a:solidFill>
+                        <a:schemeClr val="tx1"/>
+                      </a:solidFill>
+                      <a:prstDash val="solid"/>
+                      <a:round/>
+                      <a:headEnd type="none" w="med" len="med"/>
+                      <a:tailEnd type="none" w="med" len="med"/>
+                    </a:lnR>
+                    <a:lnT w="12700" cap="flat" cmpd="sng" algn="ctr">
+                      <a:solidFill>
+                        <a:schemeClr val="tx1"/>
+                      </a:solidFill>
+                      <a:prstDash val="solid"/>
+                      <a:round/>
+                      <a:headEnd type="none" w="med" len="med"/>
+                      <a:tailEnd type="none" w="med" len="med"/>
+                    </a:lnT>
+                    <a:lnB w="12700" cap="flat" cmpd="sng" algn="ctr">
+                      <a:solidFill>
+                        <a:schemeClr val="tx1"/>
+                      </a:solidFill>
+                      <a:prstDash val="solid"/>
+                      <a:round/>
+                      <a:headEnd type="none" w="med" len="med"/>
+                      <a:tailEnd type="none" w="med" len="med"/>
+                    </a:lnB>
+                    <a:solidFill>
+                      <a:schemeClr val="bg2"/>
+                    </a:solidFill>
+                  </a:tcPr>
+                </a:tc>
+                <a:tc>
+                  <a:txBody>
+                    <a:bodyPr/>
+                    <a:lstStyle/>
+                    <a:p>
+                      <a:pPr algn="ctr"/>
+                      <a:r>
+                        <a:rPr lang="en-SG" sz="1900" dirty="0">
+                          <a:solidFill>
+                            <a:schemeClr val="tx1"/>
+                          </a:solidFill>
+                        </a:rPr>
+                        <a:t>JavaScript</a:t>
+                      </a:r>
+                    </a:p>
+                  </a:txBody>
+                  <a:tcPr>
+                    <a:lnL w="12700" cap="flat" cmpd="sng" algn="ctr">
+                      <a:solidFill>
+                        <a:schemeClr val="tx1"/>
+                      </a:solidFill>
+                      <a:prstDash val="solid"/>
+                      <a:round/>
+                      <a:headEnd type="none" w="med" len="med"/>
+                      <a:tailEnd type="none" w="med" len="med"/>
+                    </a:lnL>
+                    <a:lnR w="12700" cap="flat" cmpd="sng" algn="ctr">
+                      <a:solidFill>
+                        <a:schemeClr val="tx1"/>
+                      </a:solidFill>
+                      <a:prstDash val="solid"/>
+                      <a:round/>
+                      <a:headEnd type="none" w="med" len="med"/>
+                      <a:tailEnd type="none" w="med" len="med"/>
+                    </a:lnR>
+                    <a:lnT w="12700" cap="flat" cmpd="sng" algn="ctr">
+                      <a:solidFill>
+                        <a:schemeClr val="tx1"/>
+                      </a:solidFill>
+                      <a:prstDash val="solid"/>
+                      <a:round/>
+                      <a:headEnd type="none" w="med" len="med"/>
+                      <a:tailEnd type="none" w="med" len="med"/>
+                    </a:lnT>
+                    <a:lnB w="12700" cap="flat" cmpd="sng" algn="ctr">
+                      <a:solidFill>
+                        <a:schemeClr val="tx1"/>
+                      </a:solidFill>
+                      <a:prstDash val="solid"/>
+                      <a:round/>
+                      <a:headEnd type="none" w="med" len="med"/>
+                      <a:tailEnd type="none" w="med" len="med"/>
+                    </a:lnB>
+                    <a:solidFill>
+                      <a:schemeClr val="bg2"/>
+                    </a:solidFill>
+                  </a:tcPr>
+                </a:tc>
+                <a:extLst>
+                  <a:ext uri="{0D108BD9-81ED-4DB2-BD59-A6C34878D82A}">
+                    <a16:rowId xmlns:a16="http://schemas.microsoft.com/office/drawing/2014/main" val="1052606084"/>
+                  </a:ext>
+                </a:extLst>
+              </a:tr>
+              <a:tr h="4893154">
+                <a:tc>
+                  <a:txBody>
+                    <a:bodyPr/>
+                    <a:lstStyle/>
+                    <a:p>
+                      <a:endParaRPr lang="en-SG" sz="1900" dirty="0"/>
+                    </a:p>
+                  </a:txBody>
+                  <a:tcPr>
+                    <a:lnL w="12700" cap="flat" cmpd="sng" algn="ctr">
+                      <a:solidFill>
+                        <a:schemeClr val="tx1"/>
+                      </a:solidFill>
+                      <a:prstDash val="solid"/>
+                      <a:round/>
+                      <a:headEnd type="none" w="med" len="med"/>
+                      <a:tailEnd type="none" w="med" len="med"/>
+                    </a:lnL>
+                    <a:lnR w="12700" cap="flat" cmpd="sng" algn="ctr">
+                      <a:solidFill>
+                        <a:schemeClr val="tx1"/>
+                      </a:solidFill>
+                      <a:prstDash val="solid"/>
+                      <a:round/>
+                      <a:headEnd type="none" w="med" len="med"/>
+                      <a:tailEnd type="none" w="med" len="med"/>
+                    </a:lnR>
+                    <a:lnT w="12700" cap="flat" cmpd="sng" algn="ctr">
+                      <a:solidFill>
+                        <a:schemeClr val="tx1"/>
+                      </a:solidFill>
+                      <a:prstDash val="solid"/>
+                      <a:round/>
+                      <a:headEnd type="none" w="med" len="med"/>
+                      <a:tailEnd type="none" w="med" len="med"/>
+                    </a:lnT>
+                    <a:lnB w="12700" cap="flat" cmpd="sng" algn="ctr">
+                      <a:solidFill>
+                        <a:schemeClr val="tx1"/>
+                      </a:solidFill>
+                      <a:prstDash val="solid"/>
+                      <a:round/>
+                      <a:headEnd type="none" w="med" len="med"/>
+                      <a:tailEnd type="none" w="med" len="med"/>
+                    </a:lnB>
+                    <a:solidFill>
+                      <a:schemeClr val="bg2"/>
+                    </a:solidFill>
+                  </a:tcPr>
+                </a:tc>
+                <a:tc>
+                  <a:txBody>
+                    <a:bodyPr/>
+                    <a:lstStyle/>
+                    <a:p>
+                      <a:endParaRPr lang="en-SG" sz="1900" dirty="0"/>
+                    </a:p>
+                    <a:p>
+                      <a:r>
+                        <a:rPr lang="en-SG" sz="1900" dirty="0"/>
+                        <a:t>Background:</a:t>
+                      </a:r>
+                      <a:r>
+                        <a:rPr lang="en-SG" sz="1900" baseline="0" dirty="0"/>
+                        <a:t> Picture</a:t>
+                      </a:r>
+                    </a:p>
+                    <a:p>
+                      <a:endParaRPr lang="en-SG" sz="1900" baseline="0" dirty="0"/>
+                    </a:p>
+                    <a:p>
+                      <a:r>
+                        <a:rPr lang="en-SG" sz="1900" baseline="0" dirty="0" err="1"/>
+                        <a:t>Font:Railwaye</a:t>
+                      </a:r>
+                      <a:r>
+                        <a:rPr lang="en-SG" sz="1900" baseline="0" dirty="0"/>
+                        <a:t> Sans Serif</a:t>
+                      </a:r>
+                    </a:p>
+                    <a:p>
+                      <a:endParaRPr lang="en-SG" sz="1900" baseline="0" dirty="0"/>
+                    </a:p>
+                    <a:p>
+                      <a:endParaRPr lang="en-SG" sz="1900" dirty="0"/>
+                    </a:p>
+                    <a:p>
+                      <a:endParaRPr lang="en-SG" sz="1900" dirty="0"/>
+                    </a:p>
+                    <a:p>
+                      <a:endParaRPr lang="en-SG" sz="1900" dirty="0"/>
+                    </a:p>
+                    <a:p>
+                      <a:endParaRPr lang="en-SG" sz="1900" dirty="0"/>
+                    </a:p>
+                    <a:p>
+                      <a:endParaRPr lang="en-SG" sz="1900" dirty="0"/>
+                    </a:p>
+                    <a:p>
+                      <a:endParaRPr lang="en-SG" sz="1900" dirty="0"/>
+                    </a:p>
+                    <a:p>
+                      <a:endParaRPr lang="en-SG" sz="1900" dirty="0"/>
+                    </a:p>
+                    <a:p>
+                      <a:endParaRPr lang="en-SG" sz="1900" dirty="0"/>
+                    </a:p>
+                  </a:txBody>
+                  <a:tcPr>
+                    <a:lnL w="12700" cap="flat" cmpd="sng" algn="ctr">
+                      <a:solidFill>
+                        <a:schemeClr val="tx1"/>
+                      </a:solidFill>
+                      <a:prstDash val="solid"/>
+                      <a:round/>
+                      <a:headEnd type="none" w="med" len="med"/>
+                      <a:tailEnd type="none" w="med" len="med"/>
+                    </a:lnL>
+                    <a:lnR w="12700" cap="flat" cmpd="sng" algn="ctr">
+                      <a:solidFill>
+                        <a:schemeClr val="tx1"/>
+                      </a:solidFill>
+                      <a:prstDash val="solid"/>
+                      <a:round/>
+                      <a:headEnd type="none" w="med" len="med"/>
+                      <a:tailEnd type="none" w="med" len="med"/>
+                    </a:lnR>
+                    <a:lnT w="12700" cap="flat" cmpd="sng" algn="ctr">
+                      <a:solidFill>
+                        <a:schemeClr val="tx1"/>
+                      </a:solidFill>
+                      <a:prstDash val="solid"/>
+                      <a:round/>
+                      <a:headEnd type="none" w="med" len="med"/>
+                      <a:tailEnd type="none" w="med" len="med"/>
+                    </a:lnT>
+                    <a:lnB w="12700" cap="flat" cmpd="sng" algn="ctr">
+                      <a:solidFill>
+                        <a:schemeClr val="tx1"/>
+                      </a:solidFill>
+                      <a:prstDash val="solid"/>
+                      <a:round/>
+                      <a:headEnd type="none" w="med" len="med"/>
+                      <a:tailEnd type="none" w="med" len="med"/>
+                    </a:lnB>
+                    <a:solidFill>
+                      <a:schemeClr val="bg2"/>
+                    </a:solidFill>
+                  </a:tcPr>
+                </a:tc>
+                <a:tc>
+                  <a:txBody>
+                    <a:bodyPr/>
+                    <a:lstStyle/>
+                    <a:p>
+                      <a:endParaRPr lang="en-SG" sz="1900" dirty="0"/>
+                    </a:p>
+                  </a:txBody>
+                  <a:tcPr>
+                    <a:lnL w="12700" cap="flat" cmpd="sng" algn="ctr">
+                      <a:solidFill>
+                        <a:schemeClr val="tx1"/>
+                      </a:solidFill>
+                      <a:prstDash val="solid"/>
+                      <a:round/>
+                      <a:headEnd type="none" w="med" len="med"/>
+                      <a:tailEnd type="none" w="med" len="med"/>
+                    </a:lnL>
+                    <a:lnR w="12700" cap="flat" cmpd="sng" algn="ctr">
+                      <a:solidFill>
+                        <a:schemeClr val="tx1"/>
+                      </a:solidFill>
+                      <a:prstDash val="solid"/>
+                      <a:round/>
+                      <a:headEnd type="none" w="med" len="med"/>
+                      <a:tailEnd type="none" w="med" len="med"/>
+                    </a:lnR>
+                    <a:lnT w="12700" cap="flat" cmpd="sng" algn="ctr">
+                      <a:solidFill>
+                        <a:schemeClr val="tx1"/>
+                      </a:solidFill>
+                      <a:prstDash val="solid"/>
+                      <a:round/>
+                      <a:headEnd type="none" w="med" len="med"/>
+                      <a:tailEnd type="none" w="med" len="med"/>
+                    </a:lnT>
+                    <a:lnB w="12700" cap="flat" cmpd="sng" algn="ctr">
+                      <a:solidFill>
+                        <a:schemeClr val="tx1"/>
+                      </a:solidFill>
+                      <a:prstDash val="solid"/>
+                      <a:round/>
+                      <a:headEnd type="none" w="med" len="med"/>
+                      <a:tailEnd type="none" w="med" len="med"/>
+                    </a:lnB>
+                    <a:solidFill>
+                      <a:schemeClr val="bg2"/>
+                    </a:solidFill>
+                  </a:tcPr>
+                </a:tc>
+                <a:extLst>
+                  <a:ext uri="{0D108BD9-81ED-4DB2-BD59-A6C34878D82A}">
+                    <a16:rowId xmlns:a16="http://schemas.microsoft.com/office/drawing/2014/main" val="2654022305"/>
+                  </a:ext>
+                </a:extLst>
+              </a:tr>
+            </a:tbl>
+          </a:graphicData>
+        </a:graphic>
+      </p:graphicFrame>
+      <p:sp>
+        <p:nvSpPr>
+          <p:cNvPr id="6" name="Rectangle 5"/>
+          <p:cNvSpPr/>
+          <p:nvPr/>
+        </p:nvSpPr>
+        <p:spPr>
+          <a:xfrm>
+            <a:off x="1148786" y="1895893"/>
+            <a:ext cx="2054507" cy="555585"/>
+          </a:xfrm>
+          <a:prstGeom prst="rect">
+            <a:avLst/>
+          </a:prstGeom>
+        </p:spPr>
+        <p:style>
+          <a:lnRef idx="2">
+            <a:schemeClr val="accent1">
+              <a:shade val="50000"/>
+            </a:schemeClr>
+          </a:lnRef>
+          <a:fillRef idx="1">
+            <a:schemeClr val="accent1"/>
+          </a:fillRef>
+          <a:effectRef idx="0">
+            <a:schemeClr val="accent1"/>
+          </a:effectRef>
+          <a:fontRef idx="minor">
+            <a:schemeClr val="lt1"/>
+          </a:fontRef>
+        </p:style>
+        <p:txBody>
+          <a:bodyPr rot="0" spcFirstLastPara="0" vertOverflow="overflow" horzOverflow="overflow" vert="horz" wrap="square" lIns="91440" tIns="45720" rIns="91440" bIns="45720" numCol="1" spcCol="0" rtlCol="0" fromWordArt="0" anchor="ctr" anchorCtr="0" forceAA="0" compatLnSpc="1">
+            <a:prstTxWarp prst="textNoShape">
+              <a:avLst/>
+            </a:prstTxWarp>
+            <a:noAutofit/>
+          </a:bodyPr>
+          <a:lstStyle/>
+          <a:p>
+            <a:pPr algn="ctr"/>
+            <a:r>
+              <a:rPr lang="en-SG" dirty="0"/>
+              <a:t>Container</a:t>
+            </a:r>
+          </a:p>
+        </p:txBody>
+      </p:sp>
+      <p:cxnSp>
+        <p:nvCxnSpPr>
+          <p:cNvPr id="8" name="Straight Arrow Connector 7"/>
+          <p:cNvCxnSpPr/>
+          <p:nvPr/>
+        </p:nvCxnSpPr>
+        <p:spPr>
+          <a:xfrm>
+            <a:off x="2176040" y="2465149"/>
+            <a:ext cx="2887" cy="440907"/>
+          </a:xfrm>
+          <a:prstGeom prst="straightConnector1">
+            <a:avLst/>
+          </a:prstGeom>
+          <a:ln>
+            <a:tailEnd type="triangle"/>
+          </a:ln>
+        </p:spPr>
+        <p:style>
+          <a:lnRef idx="1">
+            <a:schemeClr val="accent1"/>
+          </a:lnRef>
+          <a:fillRef idx="0">
+            <a:schemeClr val="accent1"/>
+          </a:fillRef>
+          <a:effectRef idx="0">
+            <a:schemeClr val="accent1"/>
+          </a:effectRef>
+          <a:fontRef idx="minor">
+            <a:schemeClr val="tx1"/>
+          </a:fontRef>
+        </p:style>
+      </p:cxnSp>
+      <p:sp>
+        <p:nvSpPr>
+          <p:cNvPr id="9" name="Rectangle 8"/>
+          <p:cNvSpPr/>
+          <p:nvPr/>
+        </p:nvSpPr>
+        <p:spPr>
+          <a:xfrm>
+            <a:off x="1262482" y="2944700"/>
+            <a:ext cx="1794076" cy="567160"/>
+          </a:xfrm>
+          <a:prstGeom prst="rect">
+            <a:avLst/>
+          </a:prstGeom>
+        </p:spPr>
+        <p:style>
+          <a:lnRef idx="2">
+            <a:schemeClr val="accent1">
+              <a:shade val="50000"/>
+            </a:schemeClr>
+          </a:lnRef>
+          <a:fillRef idx="1">
+            <a:schemeClr val="accent1"/>
+          </a:fillRef>
+          <a:effectRef idx="0">
+            <a:schemeClr val="accent1"/>
+          </a:effectRef>
+          <a:fontRef idx="minor">
+            <a:schemeClr val="lt1"/>
+          </a:fontRef>
+        </p:style>
+        <p:txBody>
+          <a:bodyPr rtlCol="0" anchor="ctr"/>
+          <a:lstStyle/>
+          <a:p>
+            <a:pPr algn="ctr"/>
+            <a:r>
+              <a:rPr lang="en-SG" dirty="0"/>
+              <a:t>Pl turn</a:t>
+            </a:r>
+          </a:p>
+        </p:txBody>
+      </p:sp>
+      <p:sp>
+        <p:nvSpPr>
+          <p:cNvPr id="11" name="Rectangle 10"/>
+          <p:cNvSpPr/>
+          <p:nvPr/>
+        </p:nvSpPr>
+        <p:spPr>
+          <a:xfrm>
+            <a:off x="1435262" y="3950431"/>
+            <a:ext cx="1620455" cy="769717"/>
+          </a:xfrm>
+          <a:prstGeom prst="rect">
+            <a:avLst/>
+          </a:prstGeom>
+        </p:spPr>
+        <p:style>
+          <a:lnRef idx="2">
+            <a:schemeClr val="accent1">
+              <a:shade val="50000"/>
+            </a:schemeClr>
+          </a:lnRef>
+          <a:fillRef idx="1">
+            <a:schemeClr val="accent1"/>
+          </a:fillRef>
+          <a:effectRef idx="0">
+            <a:schemeClr val="accent1"/>
+          </a:effectRef>
+          <a:fontRef idx="minor">
+            <a:schemeClr val="lt1"/>
+          </a:fontRef>
+        </p:style>
+        <p:txBody>
+          <a:bodyPr rtlCol="0" anchor="ctr"/>
+          <a:lstStyle/>
+          <a:p>
+            <a:pPr algn="ctr"/>
+            <a:r>
+              <a:rPr lang="en-SG" dirty="0"/>
+              <a:t>Question</a:t>
+            </a:r>
+          </a:p>
+        </p:txBody>
+      </p:sp>
+      <p:cxnSp>
+        <p:nvCxnSpPr>
+          <p:cNvPr id="13" name="Straight Arrow Connector 12"/>
+          <p:cNvCxnSpPr/>
+          <p:nvPr/>
+        </p:nvCxnSpPr>
+        <p:spPr>
+          <a:xfrm flipH="1">
+            <a:off x="2152891" y="3532395"/>
+            <a:ext cx="23149" cy="397501"/>
+          </a:xfrm>
+          <a:prstGeom prst="straightConnector1">
+            <a:avLst/>
+          </a:prstGeom>
+          <a:ln>
+            <a:tailEnd type="triangle"/>
+          </a:ln>
+        </p:spPr>
+        <p:style>
+          <a:lnRef idx="1">
+            <a:schemeClr val="accent1"/>
+          </a:lnRef>
+          <a:fillRef idx="0">
+            <a:schemeClr val="accent1"/>
+          </a:fillRef>
+          <a:effectRef idx="0">
+            <a:schemeClr val="accent1"/>
+          </a:effectRef>
+          <a:fontRef idx="minor">
+            <a:schemeClr val="tx1"/>
+          </a:fontRef>
+        </p:style>
+      </p:cxnSp>
+      <p:cxnSp>
+        <p:nvCxnSpPr>
+          <p:cNvPr id="15" name="Straight Arrow Connector 14"/>
+          <p:cNvCxnSpPr/>
+          <p:nvPr/>
+        </p:nvCxnSpPr>
+        <p:spPr>
+          <a:xfrm flipH="1">
+            <a:off x="2152891" y="4651527"/>
+            <a:ext cx="5787" cy="758141"/>
+          </a:xfrm>
+          <a:prstGeom prst="straightConnector1">
+            <a:avLst/>
+          </a:prstGeom>
+          <a:ln>
+            <a:tailEnd type="triangle"/>
+          </a:ln>
+        </p:spPr>
+        <p:style>
+          <a:lnRef idx="1">
+            <a:schemeClr val="accent1"/>
+          </a:lnRef>
+          <a:fillRef idx="0">
+            <a:schemeClr val="accent1"/>
+          </a:fillRef>
+          <a:effectRef idx="0">
+            <a:schemeClr val="accent1"/>
+          </a:effectRef>
+          <a:fontRef idx="minor">
+            <a:schemeClr val="tx1"/>
+          </a:fontRef>
+        </p:style>
+      </p:cxnSp>
+      <p:sp>
+        <p:nvSpPr>
+          <p:cNvPr id="16" name="Rectangle 15"/>
+          <p:cNvSpPr/>
+          <p:nvPr/>
+        </p:nvSpPr>
+        <p:spPr>
+          <a:xfrm>
+            <a:off x="1475771" y="5430203"/>
+            <a:ext cx="1493135" cy="825377"/>
+          </a:xfrm>
+          <a:prstGeom prst="rect">
+            <a:avLst/>
+          </a:prstGeom>
+        </p:spPr>
+        <p:style>
+          <a:lnRef idx="2">
+            <a:schemeClr val="accent1">
+              <a:shade val="50000"/>
+            </a:schemeClr>
+          </a:lnRef>
+          <a:fillRef idx="1">
+            <a:schemeClr val="accent1"/>
+          </a:fillRef>
+          <a:effectRef idx="0">
+            <a:schemeClr val="accent1"/>
+          </a:effectRef>
+          <a:fontRef idx="minor">
+            <a:schemeClr val="lt1"/>
+          </a:fontRef>
+        </p:style>
+        <p:txBody>
+          <a:bodyPr rtlCol="0" anchor="ctr"/>
+          <a:lstStyle/>
+          <a:p>
+            <a:pPr algn="ctr"/>
+            <a:r>
+              <a:rPr lang="en-SG" dirty="0"/>
+              <a:t>Scores</a:t>
+            </a:r>
+          </a:p>
+        </p:txBody>
+      </p:sp>
+      <p:sp>
+        <p:nvSpPr>
+          <p:cNvPr id="17" name="Rectangle 16"/>
+          <p:cNvSpPr/>
+          <p:nvPr/>
+        </p:nvSpPr>
+        <p:spPr>
+          <a:xfrm>
+            <a:off x="6250138" y="1800010"/>
+            <a:ext cx="2112379" cy="954911"/>
+          </a:xfrm>
+          <a:prstGeom prst="rect">
+            <a:avLst/>
+          </a:prstGeom>
+        </p:spPr>
+        <p:style>
+          <a:lnRef idx="2">
+            <a:schemeClr val="accent1">
+              <a:shade val="50000"/>
+            </a:schemeClr>
+          </a:lnRef>
+          <a:fillRef idx="1">
+            <a:schemeClr val="accent1"/>
+          </a:fillRef>
+          <a:effectRef idx="0">
+            <a:schemeClr val="accent1"/>
+          </a:effectRef>
+          <a:fontRef idx="minor">
+            <a:schemeClr val="lt1"/>
+          </a:fontRef>
+        </p:style>
+        <p:txBody>
+          <a:bodyPr rtlCol="0" anchor="ctr"/>
+          <a:lstStyle/>
+          <a:p>
+            <a:pPr algn="ctr"/>
+            <a:r>
+              <a:rPr lang="en-SG" dirty="0"/>
+              <a:t>Declare Variables</a:t>
+            </a:r>
+          </a:p>
+        </p:txBody>
+      </p:sp>
+      <p:cxnSp>
+        <p:nvCxnSpPr>
+          <p:cNvPr id="19" name="Straight Arrow Connector 18"/>
+          <p:cNvCxnSpPr/>
+          <p:nvPr/>
+        </p:nvCxnSpPr>
+        <p:spPr>
+          <a:xfrm>
+            <a:off x="7320986" y="2793565"/>
+            <a:ext cx="13019" cy="344499"/>
+          </a:xfrm>
+          <a:prstGeom prst="straightConnector1">
+            <a:avLst/>
+          </a:prstGeom>
+          <a:ln>
+            <a:tailEnd type="triangle"/>
+          </a:ln>
+        </p:spPr>
+        <p:style>
+          <a:lnRef idx="1">
+            <a:schemeClr val="accent1"/>
+          </a:lnRef>
+          <a:fillRef idx="0">
+            <a:schemeClr val="accent1"/>
+          </a:fillRef>
+          <a:effectRef idx="0">
+            <a:schemeClr val="accent1"/>
+          </a:effectRef>
+          <a:fontRef idx="minor">
+            <a:schemeClr val="tx1"/>
+          </a:fontRef>
+        </p:style>
+      </p:cxnSp>
+      <p:sp>
+        <p:nvSpPr>
+          <p:cNvPr id="20" name="Rectangle 19"/>
+          <p:cNvSpPr/>
+          <p:nvPr/>
+        </p:nvSpPr>
+        <p:spPr>
+          <a:xfrm>
+            <a:off x="6397622" y="3153185"/>
+            <a:ext cx="1791180" cy="784184"/>
+          </a:xfrm>
+          <a:prstGeom prst="rect">
+            <a:avLst/>
+          </a:prstGeom>
+        </p:spPr>
+        <p:style>
+          <a:lnRef idx="2">
+            <a:schemeClr val="accent1">
+              <a:shade val="50000"/>
+            </a:schemeClr>
+          </a:lnRef>
+          <a:fillRef idx="1">
+            <a:schemeClr val="accent1"/>
+          </a:fillRef>
+          <a:effectRef idx="0">
+            <a:schemeClr val="accent1"/>
+          </a:effectRef>
+          <a:fontRef idx="minor">
+            <a:schemeClr val="lt1"/>
+          </a:fontRef>
+        </p:style>
+        <p:txBody>
+          <a:bodyPr rtlCol="0" anchor="ctr"/>
+          <a:lstStyle/>
+          <a:p>
+            <a:pPr algn="ctr"/>
+            <a:r>
+              <a:rPr lang="en-SG" dirty="0"/>
+              <a:t>Get Elements from HTML</a:t>
+            </a:r>
+          </a:p>
+        </p:txBody>
+      </p:sp>
+      <p:cxnSp>
+        <p:nvCxnSpPr>
+          <p:cNvPr id="23" name="Straight Arrow Connector 22"/>
+          <p:cNvCxnSpPr/>
+          <p:nvPr/>
+        </p:nvCxnSpPr>
+        <p:spPr>
+          <a:xfrm flipH="1">
+            <a:off x="7293212" y="3935710"/>
+            <a:ext cx="4340" cy="381735"/>
+          </a:xfrm>
+          <a:prstGeom prst="straightConnector1">
+            <a:avLst/>
+          </a:prstGeom>
+          <a:ln>
+            <a:tailEnd type="triangle"/>
+          </a:ln>
+        </p:spPr>
+        <p:style>
+          <a:lnRef idx="1">
+            <a:schemeClr val="accent1"/>
+          </a:lnRef>
+          <a:fillRef idx="0">
+            <a:schemeClr val="accent1"/>
+          </a:fillRef>
+          <a:effectRef idx="0">
+            <a:schemeClr val="accent1"/>
+          </a:effectRef>
+          <a:fontRef idx="minor">
+            <a:schemeClr val="tx1"/>
+          </a:fontRef>
+        </p:style>
+      </p:cxnSp>
+      <p:sp>
+        <p:nvSpPr>
+          <p:cNvPr id="24" name="Rectangle 23"/>
+          <p:cNvSpPr/>
+          <p:nvPr/>
+        </p:nvSpPr>
+        <p:spPr>
+          <a:xfrm>
+            <a:off x="6554163" y="4319805"/>
+            <a:ext cx="1533646" cy="902826"/>
+          </a:xfrm>
+          <a:prstGeom prst="rect">
+            <a:avLst/>
+          </a:prstGeom>
+        </p:spPr>
+        <p:style>
+          <a:lnRef idx="2">
+            <a:schemeClr val="accent1">
+              <a:shade val="50000"/>
+            </a:schemeClr>
+          </a:lnRef>
+          <a:fillRef idx="1">
+            <a:schemeClr val="accent1"/>
+          </a:fillRef>
+          <a:effectRef idx="0">
+            <a:schemeClr val="accent1"/>
+          </a:effectRef>
+          <a:fontRef idx="minor">
+            <a:schemeClr val="lt1"/>
+          </a:fontRef>
+        </p:style>
+        <p:txBody>
+          <a:bodyPr rtlCol="0" anchor="ctr"/>
+          <a:lstStyle/>
+          <a:p>
+            <a:pPr algn="ctr"/>
+            <a:r>
+              <a:rPr lang="en-SG" dirty="0"/>
+              <a:t>Declare</a:t>
+            </a:r>
+          </a:p>
+          <a:p>
+            <a:pPr algn="ctr"/>
+            <a:r>
+              <a:rPr lang="en-SG" dirty="0"/>
+              <a:t>Functions</a:t>
+            </a:r>
+          </a:p>
+        </p:txBody>
+      </p:sp>
+      <p:cxnSp>
+        <p:nvCxnSpPr>
+          <p:cNvPr id="30" name="Straight Arrow Connector 29"/>
+          <p:cNvCxnSpPr/>
+          <p:nvPr/>
+        </p:nvCxnSpPr>
+        <p:spPr>
+          <a:xfrm>
+            <a:off x="7306328" y="5199304"/>
+            <a:ext cx="0" cy="356381"/>
+          </a:xfrm>
+          <a:prstGeom prst="straightConnector1">
+            <a:avLst/>
+          </a:prstGeom>
+          <a:ln>
+            <a:tailEnd type="triangle"/>
+          </a:ln>
+        </p:spPr>
+        <p:style>
+          <a:lnRef idx="1">
+            <a:schemeClr val="accent1"/>
+          </a:lnRef>
+          <a:fillRef idx="0">
+            <a:schemeClr val="accent1"/>
+          </a:fillRef>
+          <a:effectRef idx="0">
+            <a:schemeClr val="accent1"/>
+          </a:effectRef>
+          <a:fontRef idx="minor">
+            <a:schemeClr val="tx1"/>
+          </a:fontRef>
+        </p:style>
+      </p:cxnSp>
+      <p:sp>
+        <p:nvSpPr>
+          <p:cNvPr id="31" name="Rectangle 30"/>
+          <p:cNvSpPr/>
+          <p:nvPr/>
+        </p:nvSpPr>
+        <p:spPr>
+          <a:xfrm>
+            <a:off x="6554163" y="5555685"/>
+            <a:ext cx="1660967" cy="781291"/>
+          </a:xfrm>
+          <a:prstGeom prst="rect">
+            <a:avLst/>
+          </a:prstGeom>
+        </p:spPr>
+        <p:style>
+          <a:lnRef idx="2">
+            <a:schemeClr val="accent1">
+              <a:shade val="50000"/>
+            </a:schemeClr>
+          </a:lnRef>
+          <a:fillRef idx="1">
+            <a:schemeClr val="accent1"/>
+          </a:fillRef>
+          <a:effectRef idx="0">
+            <a:schemeClr val="accent1"/>
+          </a:effectRef>
+          <a:fontRef idx="minor">
+            <a:schemeClr val="lt1"/>
+          </a:fontRef>
+        </p:style>
+        <p:txBody>
+          <a:bodyPr rtlCol="0" anchor="ctr"/>
+          <a:lstStyle/>
+          <a:p>
+            <a:pPr algn="ctr"/>
+            <a:r>
+              <a:rPr lang="en-SG" dirty="0"/>
+              <a:t>Connect functions to elements</a:t>
+            </a:r>
+          </a:p>
+        </p:txBody>
+      </p:sp>
+    </p:spTree>
+    <p:extLst>
+      <p:ext uri="{BB962C8B-B14F-4D97-AF65-F5344CB8AC3E}">
+        <p14:creationId xmlns:p14="http://schemas.microsoft.com/office/powerpoint/2010/main" val="2035335977"/>
+      </p:ext>
+    </p:extLst>
+  </p:cSld>
+  <p:clrMapOvr>
+    <a:masterClrMapping/>
+  </p:clrMapOvr>
+</p:sld>
+</file>
+
+<file path=ppt/slides/slide9.xml><?xml version="1.0" encoding="utf-8"?>
+<p:sld xmlns:a="http://schemas.openxmlformats.org/drawingml/2006/main" xmlns:r="http://schemas.openxmlformats.org/officeDocument/2006/relationships" xmlns:p="http://schemas.openxmlformats.org/presentationml/2006/main">
+  <p:cSld>
+    <p:spTree>
+      <p:nvGrpSpPr>
+        <p:cNvPr id="1" name=""/>
+        <p:cNvGrpSpPr/>
+        <p:nvPr/>
+      </p:nvGrpSpPr>
+      <p:grpSpPr>
+        <a:xfrm>
+          <a:off x="0" y="0"/>
+          <a:ext cx="0" cy="0"/>
+          <a:chOff x="0" y="0"/>
+          <a:chExt cx="0" cy="0"/>
+        </a:xfrm>
+      </p:grpSpPr>
+      <p:sp>
+        <p:nvSpPr>
+          <p:cNvPr id="2" name="Title 1"/>
+          <p:cNvSpPr>
+            <a:spLocks noGrp="1"/>
+          </p:cNvSpPr>
+          <p:nvPr>
+            <p:ph type="title"/>
+          </p:nvPr>
+        </p:nvSpPr>
+        <p:spPr>
+          <a:xfrm>
+            <a:off x="628650" y="365129"/>
+            <a:ext cx="7886700" cy="745616"/>
+          </a:xfrm>
+        </p:spPr>
+        <p:txBody>
+          <a:bodyPr>
+            <a:noAutofit/>
+          </a:bodyPr>
+          <a:lstStyle/>
+          <a:p>
+            <a:pPr algn="ctr"/>
+            <a:r>
+              <a:rPr lang="en-SG" sz="5400" b="1" dirty="0"/>
+              <a:t>Deliverable</a:t>
+            </a:r>
+          </a:p>
+        </p:txBody>
+      </p:sp>
+    </p:spTree>
+    <p:extLst>
+      <p:ext uri="{BB962C8B-B14F-4D97-AF65-F5344CB8AC3E}">
+        <p14:creationId xmlns:p14="http://schemas.microsoft.com/office/powerpoint/2010/main" val="1323359489"/>
       </p:ext>
     </p:extLst>
   </p:cSld>
